--- a/PPTs/2-Processes.pptx
+++ b/PPTs/2-Processes.pptx
@@ -265,14 +265,14 @@
           <a:effectLst/>
           <a:extLst>
             <a:ext uri="{909E8E84-426E-40dd-AFC4-6F175D3DCCD1}">
-              <a14:hiddenFill xmlns="" xmlns:a14="http://schemas.microsoft.com/office/drawing/2010/main">
+              <a14:hiddenFill xmlns:a14="http://schemas.microsoft.com/office/drawing/2010/main" xmlns="">
                 <a:solidFill>
                   <a:schemeClr val="bg1"/>
                 </a:solidFill>
               </a14:hiddenFill>
             </a:ext>
             <a:ext uri="{91240B29-F687-4f45-9708-019B960494DF}">
-              <a14:hiddenLine xmlns="" xmlns:a14="http://schemas.microsoft.com/office/drawing/2010/main" w="12700">
+              <a14:hiddenLine xmlns:a14="http://schemas.microsoft.com/office/drawing/2010/main" xmlns="" w="12700">
                 <a:pattFill prst="narHorz">
                   <a:fgClr>
                     <a:schemeClr val="tx1"/>
@@ -287,7 +287,7 @@
               </a14:hiddenLine>
             </a:ext>
             <a:ext uri="{AF507438-7753-43e0-B8FC-AC1667EBCBE1}">
-              <a14:hiddenEffects xmlns="" xmlns:a14="http://schemas.microsoft.com/office/drawing/2010/main">
+              <a14:hiddenEffects xmlns:a14="http://schemas.microsoft.com/office/drawing/2010/main" xmlns="">
                 <a:effectLst>
                   <a:outerShdw dist="35921" dir="2700000" algn="ctr" rotWithShape="0">
                     <a:schemeClr val="bg2"/>
@@ -393,14 +393,14 @@
           <a:effectLst/>
           <a:extLst>
             <a:ext uri="{909E8E84-426E-40dd-AFC4-6F175D3DCCD1}">
-              <a14:hiddenFill xmlns="" xmlns:a14="http://schemas.microsoft.com/office/drawing/2010/main">
+              <a14:hiddenFill xmlns:a14="http://schemas.microsoft.com/office/drawing/2010/main" xmlns="">
                 <a:solidFill>
                   <a:schemeClr val="bg1"/>
                 </a:solidFill>
               </a14:hiddenFill>
             </a:ext>
             <a:ext uri="{91240B29-F687-4f45-9708-019B960494DF}">
-              <a14:hiddenLine xmlns="" xmlns:a14="http://schemas.microsoft.com/office/drawing/2010/main" w="12700">
+              <a14:hiddenLine xmlns:a14="http://schemas.microsoft.com/office/drawing/2010/main" xmlns="" w="12700">
                 <a:pattFill prst="narHorz">
                   <a:fgClr>
                     <a:schemeClr val="tx1"/>
@@ -415,7 +415,7 @@
               </a14:hiddenLine>
             </a:ext>
             <a:ext uri="{AF507438-7753-43e0-B8FC-AC1667EBCBE1}">
-              <a14:hiddenEffects xmlns="" xmlns:a14="http://schemas.microsoft.com/office/drawing/2010/main">
+              <a14:hiddenEffects xmlns:a14="http://schemas.microsoft.com/office/drawing/2010/main" xmlns="">
                 <a:effectLst>
                   <a:outerShdw dist="35921" dir="2700000" algn="ctr" rotWithShape="0">
                     <a:schemeClr val="bg2"/>
@@ -483,17 +483,17 @@
           <a:effectLst/>
           <a:extLst>
             <a:ext uri="{FAA26D3D-D897-4be2-8F04-BA451C77F1D7}">
-              <ma14:placeholderFlag xmlns="" xmlns:ma14="http://schemas.microsoft.com/office/mac/drawingml/2011/main" val="1"/>
+              <ma14:placeholderFlag xmlns:ma14="http://schemas.microsoft.com/office/mac/drawingml/2011/main" xmlns="" val="1"/>
             </a:ext>
             <a:ext uri="{909E8E84-426E-40dd-AFC4-6F175D3DCCD1}">
-              <a14:hiddenFill xmlns="" xmlns:a14="http://schemas.microsoft.com/office/drawing/2010/main">
+              <a14:hiddenFill xmlns:a14="http://schemas.microsoft.com/office/drawing/2010/main" xmlns="">
                 <a:solidFill>
                   <a:srgbClr val="FFFFFF"/>
                 </a:solidFill>
               </a14:hiddenFill>
             </a:ext>
             <a:ext uri="{AF507438-7753-43e0-B8FC-AC1667EBCBE1}">
-              <a14:hiddenEffects xmlns="" xmlns:a14="http://schemas.microsoft.com/office/drawing/2010/main">
+              <a14:hiddenEffects xmlns:a14="http://schemas.microsoft.com/office/drawing/2010/main" xmlns="">
                 <a:effectLst>
                   <a:outerShdw blurRad="63500" dist="38099" dir="2700000" algn="ctr" rotWithShape="0">
                     <a:srgbClr val="000000">
@@ -504,7 +504,7 @@
               </a14:hiddenEffects>
             </a:ext>
             <a:ext uri="{53640926-AAD7-44d8-BBD7-CCE9431645EC}">
-              <a14:shadowObscured xmlns="" xmlns:a14="http://schemas.microsoft.com/office/drawing/2010/main" val="1"/>
+              <a14:shadowObscured xmlns:a14="http://schemas.microsoft.com/office/drawing/2010/main" xmlns="" val="1"/>
             </a:ext>
           </a:extLst>
         </p:spPr>
@@ -534,14 +534,14 @@
           <a:effectLst/>
           <a:extLst>
             <a:ext uri="{909E8E84-426E-40dd-AFC4-6F175D3DCCD1}">
-              <a14:hiddenFill xmlns="" xmlns:a14="http://schemas.microsoft.com/office/drawing/2010/main">
+              <a14:hiddenFill xmlns:a14="http://schemas.microsoft.com/office/drawing/2010/main" xmlns="">
                 <a:solidFill>
                   <a:schemeClr val="bg1"/>
                 </a:solidFill>
               </a14:hiddenFill>
             </a:ext>
             <a:ext uri="{91240B29-F687-4f45-9708-019B960494DF}">
-              <a14:hiddenLine xmlns="" xmlns:a14="http://schemas.microsoft.com/office/drawing/2010/main" w="12700">
+              <a14:hiddenLine xmlns:a14="http://schemas.microsoft.com/office/drawing/2010/main" xmlns="" w="12700">
                 <a:pattFill prst="narHorz">
                   <a:fgClr>
                     <a:schemeClr val="tx1"/>
@@ -556,7 +556,7 @@
               </a14:hiddenLine>
             </a:ext>
             <a:ext uri="{AF507438-7753-43e0-B8FC-AC1667EBCBE1}">
-              <a14:hiddenEffects xmlns="" xmlns:a14="http://schemas.microsoft.com/office/drawing/2010/main">
+              <a14:hiddenEffects xmlns:a14="http://schemas.microsoft.com/office/drawing/2010/main" xmlns="">
                 <a:effectLst>
                   <a:outerShdw dist="35921" dir="2700000" algn="ctr" rotWithShape="0">
                     <a:schemeClr val="bg2"/>
@@ -806,10 +806,10 @@
         <p:spPr>
           <a:extLst>
             <a:ext uri="{FAA26D3D-D897-4be2-8F04-BA451C77F1D7}">
-              <ma14:placeholderFlag xmlns:ma14="http://schemas.microsoft.com/office/mac/drawingml/2011/main" xmlns="" val="1"/>
+              <ma14:placeholderFlag xmlns="" xmlns:ma14="http://schemas.microsoft.com/office/mac/drawingml/2011/main" val="1"/>
             </a:ext>
             <a:ext uri="{AF507438-7753-43e0-B8FC-AC1667EBCBE1}">
-              <a14:hiddenEffects xmlns:a14="http://schemas.microsoft.com/office/drawing/2010/main" xmlns="">
+              <a14:hiddenEffects xmlns="" xmlns:a14="http://schemas.microsoft.com/office/drawing/2010/main">
                 <a:effectLst>
                   <a:outerShdw blurRad="63500" dist="38099" dir="2700000" algn="ctr" rotWithShape="0">
                     <a:schemeClr val="bg2">
@@ -1536,6 +1536,34 @@
         <p:txBody>
           <a:bodyPr/>
           <a:lstStyle/>
+          <a:p>
+            <a:pPr marL="0" marR="0" lvl="0" indent="0" algn="l" defTabSz="914400" rtl="0" eaLnBrk="0" fontAlgn="base" latinLnBrk="0" hangingPunct="0">
+              <a:lnSpc>
+                <a:spcPct val="90000"/>
+              </a:lnSpc>
+              <a:spcBef>
+                <a:spcPct val="40000"/>
+              </a:spcBef>
+              <a:spcAft>
+                <a:spcPct val="0"/>
+              </a:spcAft>
+              <a:buClrTx/>
+              <a:buSzTx/>
+              <a:buFontTx/>
+              <a:buNone/>
+              <a:tabLst/>
+              <a:defRPr/>
+            </a:pPr>
+            <a:r>
+              <a:rPr lang="en-US" altLang="zh-CN" sz="1200" dirty="0">
+                <a:latin typeface="Gill Sans Light"/>
+              </a:rPr>
+              <a:t>Output</a:t>
+            </a:r>
+            <a:endParaRPr lang="en-SE" sz="1200" dirty="0">
+              <a:latin typeface="Gill Sans Light"/>
+            </a:endParaRPr>
+          </a:p>
           <a:p>
             <a:endParaRPr lang="en-US" dirty="0"/>
           </a:p>
@@ -5615,17 +5643,17 @@
           <a:effectLst/>
           <a:extLst>
             <a:ext uri="{FAA26D3D-D897-4be2-8F04-BA451C77F1D7}">
-              <ma14:placeholderFlag xmlns="" xmlns:ma14="http://schemas.microsoft.com/office/mac/drawingml/2011/main" val="1"/>
+              <ma14:placeholderFlag xmlns:ma14="http://schemas.microsoft.com/office/mac/drawingml/2011/main" xmlns="" val="1"/>
             </a:ext>
             <a:ext uri="{909E8E84-426E-40dd-AFC4-6F175D3DCCD1}">
-              <a14:hiddenFill xmlns="" xmlns:a14="http://schemas.microsoft.com/office/drawing/2010/main">
+              <a14:hiddenFill xmlns:a14="http://schemas.microsoft.com/office/drawing/2010/main" xmlns="">
                 <a:solidFill>
                   <a:schemeClr val="bg1"/>
                 </a:solidFill>
               </a14:hiddenFill>
             </a:ext>
             <a:ext uri="{91240B29-F687-4f45-9708-019B960494DF}">
-              <a14:hiddenLine xmlns="" xmlns:a14="http://schemas.microsoft.com/office/drawing/2010/main" w="12700">
+              <a14:hiddenLine xmlns:a14="http://schemas.microsoft.com/office/drawing/2010/main" xmlns="" w="12700">
                 <a:pattFill prst="narHorz">
                   <a:fgClr>
                     <a:schemeClr val="tx1"/>
@@ -5640,7 +5668,7 @@
               </a14:hiddenLine>
             </a:ext>
             <a:ext uri="{AF507438-7753-43e0-B8FC-AC1667EBCBE1}">
-              <a14:hiddenEffects xmlns="" xmlns:a14="http://schemas.microsoft.com/office/drawing/2010/main">
+              <a14:hiddenEffects xmlns:a14="http://schemas.microsoft.com/office/drawing/2010/main" xmlns="">
                 <a:effectLst>
                   <a:outerShdw blurRad="63500" dist="38099" dir="2700000" algn="ctr" rotWithShape="0">
                     <a:schemeClr val="bg2">
@@ -5693,17 +5721,17 @@
           <a:effectLst/>
           <a:extLst>
             <a:ext uri="{FAA26D3D-D897-4be2-8F04-BA451C77F1D7}">
-              <ma14:placeholderFlag xmlns="" xmlns:ma14="http://schemas.microsoft.com/office/mac/drawingml/2011/main" val="1"/>
+              <ma14:placeholderFlag xmlns:ma14="http://schemas.microsoft.com/office/mac/drawingml/2011/main" xmlns="" val="1"/>
             </a:ext>
             <a:ext uri="{909E8E84-426E-40dd-AFC4-6F175D3DCCD1}">
-              <a14:hiddenFill xmlns="" xmlns:a14="http://schemas.microsoft.com/office/drawing/2010/main">
+              <a14:hiddenFill xmlns:a14="http://schemas.microsoft.com/office/drawing/2010/main" xmlns="">
                 <a:solidFill>
                   <a:schemeClr val="bg1"/>
                 </a:solidFill>
               </a14:hiddenFill>
             </a:ext>
             <a:ext uri="{91240B29-F687-4f45-9708-019B960494DF}">
-              <a14:hiddenLine xmlns="" xmlns:a14="http://schemas.microsoft.com/office/drawing/2010/main" w="12700">
+              <a14:hiddenLine xmlns:a14="http://schemas.microsoft.com/office/drawing/2010/main" xmlns="" w="12700">
                 <a:pattFill prst="narHorz">
                   <a:fgClr>
                     <a:schemeClr val="tx1"/>
@@ -5718,7 +5746,7 @@
               </a14:hiddenLine>
             </a:ext>
             <a:ext uri="{AF507438-7753-43e0-B8FC-AC1667EBCBE1}">
-              <a14:hiddenEffects xmlns="" xmlns:a14="http://schemas.microsoft.com/office/drawing/2010/main">
+              <a14:hiddenEffects xmlns:a14="http://schemas.microsoft.com/office/drawing/2010/main" xmlns="">
                 <a:effectLst>
                   <a:outerShdw blurRad="63500" dist="38099" dir="2700000" algn="ctr" rotWithShape="0">
                     <a:schemeClr val="bg2">
@@ -5797,14 +5825,14 @@
           <a:effectLst/>
           <a:extLst>
             <a:ext uri="{909E8E84-426E-40dd-AFC4-6F175D3DCCD1}">
-              <a14:hiddenFill xmlns="" xmlns:a14="http://schemas.microsoft.com/office/drawing/2010/main">
+              <a14:hiddenFill xmlns:a14="http://schemas.microsoft.com/office/drawing/2010/main" xmlns="">
                 <a:solidFill>
                   <a:schemeClr val="bg1"/>
                 </a:solidFill>
               </a14:hiddenFill>
             </a:ext>
             <a:ext uri="{91240B29-F687-4f45-9708-019B960494DF}">
-              <a14:hiddenLine xmlns="" xmlns:a14="http://schemas.microsoft.com/office/drawing/2010/main" w="12700">
+              <a14:hiddenLine xmlns:a14="http://schemas.microsoft.com/office/drawing/2010/main" xmlns="" w="12700">
                 <a:pattFill prst="narHorz">
                   <a:fgClr>
                     <a:schemeClr val="tx1"/>
@@ -5819,7 +5847,7 @@
               </a14:hiddenLine>
             </a:ext>
             <a:ext uri="{AF507438-7753-43e0-B8FC-AC1667EBCBE1}">
-              <a14:hiddenEffects xmlns="" xmlns:a14="http://schemas.microsoft.com/office/drawing/2010/main">
+              <a14:hiddenEffects xmlns:a14="http://schemas.microsoft.com/office/drawing/2010/main" xmlns="">
                 <a:effectLst>
                   <a:outerShdw dist="35921" dir="2700000" algn="ctr" rotWithShape="0">
                     <a:schemeClr val="bg2"/>
@@ -5895,12 +5923,12 @@
           <a:effectLst/>
           <a:extLst>
             <a:ext uri="{909E8E84-426E-40dd-AFC4-6F175D3DCCD1}">
-              <a14:hiddenFill xmlns="" xmlns:a14="http://schemas.microsoft.com/office/drawing/2010/main">
+              <a14:hiddenFill xmlns:a14="http://schemas.microsoft.com/office/drawing/2010/main" xmlns="">
                 <a:noFill/>
               </a14:hiddenFill>
             </a:ext>
             <a:ext uri="{AF507438-7753-43e0-B8FC-AC1667EBCBE1}">
-              <a14:hiddenEffects xmlns="" xmlns:a14="http://schemas.microsoft.com/office/drawing/2010/main">
+              <a14:hiddenEffects xmlns:a14="http://schemas.microsoft.com/office/drawing/2010/main" xmlns="">
                 <a:effectLst>
                   <a:outerShdw blurRad="63500" dist="38099" dir="2700000" algn="ctr" rotWithShape="0">
                     <a:schemeClr val="bg2">
@@ -9771,7 +9799,12 @@
             <p:ph idx="1"/>
           </p:nvPr>
         </p:nvSpPr>
-        <p:spPr/>
+        <p:spPr>
+          <a:xfrm>
+            <a:off x="427804" y="807595"/>
+            <a:ext cx="11336392" cy="5138531"/>
+          </a:xfrm>
+        </p:spPr>
         <p:txBody>
           <a:bodyPr>
             <a:normAutofit/>
@@ -9921,63 +9954,60 @@
                   <a:srgbClr val="0070C0"/>
                 </a:solidFill>
               </a:rPr>
-              <a:t>waitpid()</a:t>
-            </a:r>
-            <a:r>
-              <a:rPr lang="zh-CN" altLang="en-US" dirty="0"/>
-              <a:t> </a:t>
-            </a:r>
-            <a:r>
-              <a:rPr lang="en-US" altLang="zh-CN" dirty="0"/>
-              <a:t>is</a:t>
-            </a:r>
-            <a:r>
-              <a:rPr lang="zh-CN" altLang="en-US" dirty="0"/>
-              <a:t> </a:t>
-            </a:r>
-            <a:r>
-              <a:rPr lang="en-US" altLang="zh-CN" dirty="0"/>
-              <a:t>an</a:t>
-            </a:r>
-            <a:r>
-              <a:rPr lang="zh-CN" altLang="en-US" dirty="0"/>
-              <a:t> </a:t>
-            </a:r>
-            <a:r>
-              <a:rPr lang="en-US" altLang="zh-CN" dirty="0"/>
-              <a:t>alternative</a:t>
-            </a:r>
-            <a:r>
-              <a:rPr lang="zh-CN" altLang="en-US" dirty="0"/>
-              <a:t> </a:t>
-            </a:r>
-            <a:r>
-              <a:rPr lang="en-US" altLang="zh-CN" dirty="0"/>
-              <a:t>of</a:t>
-            </a:r>
-            <a:r>
-              <a:rPr lang="zh-CN" altLang="en-US" dirty="0"/>
-              <a:t> </a:t>
-            </a:r>
-            <a:r>
-              <a:rPr lang="en-US" altLang="zh-CN" dirty="0"/>
-              <a:t>wait()</a:t>
-            </a:r>
-          </a:p>
-          <a:p>
-            <a:pPr marL="0" indent="0">
-              <a:buNone/>
-            </a:pPr>
-            <a:endParaRPr lang="en-US" altLang="zh-CN" dirty="0"/>
+              <a:t>wait() </a:t>
+            </a:r>
+            <a:r>
+              <a:rPr lang="en-GB" dirty="0"/>
+              <a:t>suspends the execution of the calling process until one of its child processes terminates. It does not allow the parent to specify which child process to wait for. It will reap any terminated child arbitrarily.</a:t>
+            </a:r>
+          </a:p>
+          <a:p>
+            <a:r>
+              <a:rPr lang="en-US" altLang="zh-CN" b="1" dirty="0" err="1">
+                <a:solidFill>
+                  <a:srgbClr val="0070C0"/>
+                </a:solidFill>
+              </a:rPr>
+              <a:t>waitpid</a:t>
+            </a:r>
+            <a:r>
+              <a:rPr lang="en-US" altLang="zh-CN" b="1" dirty="0">
+                <a:solidFill>
+                  <a:srgbClr val="0070C0"/>
+                </a:solidFill>
+              </a:rPr>
+              <a:t>(</a:t>
+            </a:r>
+            <a:r>
+              <a:rPr lang="en-US" altLang="zh-CN" b="1" dirty="0" err="1">
+                <a:solidFill>
+                  <a:srgbClr val="0070C0"/>
+                </a:solidFill>
+              </a:rPr>
+              <a:t>pid</a:t>
+            </a:r>
+            <a:r>
+              <a:rPr lang="en-US" altLang="zh-CN" b="1" dirty="0">
+                <a:solidFill>
+                  <a:srgbClr val="0070C0"/>
+                </a:solidFill>
+              </a:rPr>
+              <a:t>) </a:t>
+            </a:r>
+            <a:r>
+              <a:rPr lang="en-GB" dirty="0"/>
+              <a:t>is an advanced version of wait. It allows the parent process to specify which child process (or group of processes) it wants to wait for.</a:t>
+            </a:r>
+            <a:endParaRPr lang="en-SE" dirty="0"/>
           </a:p>
         </p:txBody>
       </p:sp>
       <p:grpSp>
         <p:nvGrpSpPr>
-          <p:cNvPr id="12" name="组合 11">
+          <p:cNvPr id="27" name="组合 11">
             <a:extLst>
               <a:ext uri="{FF2B5EF4-FFF2-40B4-BE49-F238E27FC236}">
-                <a16:creationId xmlns:a16="http://schemas.microsoft.com/office/drawing/2014/main" id="{E0434557-CDD9-E252-0C00-54C51AA34F37}"/>
+                <a16:creationId xmlns:a16="http://schemas.microsoft.com/office/drawing/2014/main" id="{EFFFC8AF-5200-0D3B-2733-AEC35532CCF1}"/>
               </a:ext>
             </a:extLst>
           </p:cNvPr>
@@ -9986,7 +10016,7 @@
         </p:nvGrpSpPr>
         <p:grpSpPr>
           <a:xfrm>
-            <a:off x="3439099" y="2776249"/>
+            <a:off x="3400965" y="3577833"/>
             <a:ext cx="4823555" cy="2901249"/>
             <a:chOff x="1915098" y="2776248"/>
             <a:chExt cx="4823555" cy="2901249"/>
@@ -9994,10 +10024,10 @@
         </p:grpSpPr>
         <p:sp>
           <p:nvSpPr>
-            <p:cNvPr id="4" name="圆角矩形 3">
+            <p:cNvPr id="28" name="圆角矩形 3">
               <a:extLst>
                 <a:ext uri="{FF2B5EF4-FFF2-40B4-BE49-F238E27FC236}">
-                  <a16:creationId xmlns:a16="http://schemas.microsoft.com/office/drawing/2014/main" id="{80FF930F-4F13-7EA8-DC84-BF653524EB94}"/>
+                  <a16:creationId xmlns:a16="http://schemas.microsoft.com/office/drawing/2014/main" id="{D9A7E296-9094-BFCC-9A29-6CD5104C3549}"/>
                 </a:ext>
               </a:extLst>
             </p:cNvPr>
@@ -10015,8 +10045,9 @@
             <a:solidFill>
               <a:srgbClr val="43B7B0"/>
             </a:solidFill>
-            <a:ln>
+            <a:ln w="9525" cap="flat" cmpd="sng" algn="ctr">
               <a:noFill/>
+              <a:prstDash val="solid"/>
             </a:ln>
             <a:effectLst>
               <a:outerShdw blurRad="114300" dist="12700" dir="5400000" rotWithShape="0">
@@ -10026,20 +10057,6 @@
               </a:outerShdw>
             </a:effectLst>
           </p:spPr>
-          <p:style>
-            <a:lnRef idx="1">
-              <a:schemeClr val="accent1"/>
-            </a:lnRef>
-            <a:fillRef idx="3">
-              <a:schemeClr val="accent1"/>
-            </a:fillRef>
-            <a:effectRef idx="2">
-              <a:schemeClr val="accent1"/>
-            </a:effectRef>
-            <a:fontRef idx="minor">
-              <a:schemeClr val="lt1"/>
-            </a:fontRef>
-          </p:style>
           <p:txBody>
             <a:bodyPr rot="0" spcFirstLastPara="0" vertOverflow="overflow" horzOverflow="overflow" vert="horz" wrap="square" lIns="91440" tIns="45720" rIns="91440" bIns="45720" numCol="1" spcCol="0" rtlCol="0" fromWordArt="0" anchor="ctr" anchorCtr="0" forceAA="0" compatLnSpc="1">
               <a:prstTxWarp prst="textNoShape">
@@ -10049,21 +10066,63 @@
             </a:bodyPr>
             <a:lstStyle/>
             <a:p>
-              <a:pPr algn="ctr"/>
+              <a:pPr marL="0" marR="0" lvl="0" indent="0" algn="ctr" defTabSz="457200" eaLnBrk="1" fontAlgn="auto" latinLnBrk="0" hangingPunct="1">
+                <a:lnSpc>
+                  <a:spcPct val="100000"/>
+                </a:lnSpc>
+                <a:spcBef>
+                  <a:spcPts val="0"/>
+                </a:spcBef>
+                <a:spcAft>
+                  <a:spcPts val="0"/>
+                </a:spcAft>
+                <a:buClrTx/>
+                <a:buSzTx/>
+                <a:buFontTx/>
+                <a:buNone/>
+                <a:tabLst/>
+                <a:defRPr/>
+              </a:pPr>
               <a:r>
-                <a:rPr lang="en-US" altLang="zh-CN" dirty="0"/>
+                <a:rPr kumimoji="0" lang="en-US" altLang="zh-CN" sz="1800" b="0" i="0" u="none" strike="noStrike" kern="0" cap="none" spc="0" normalizeH="0" baseline="0" noProof="0" dirty="0">
+                  <a:ln>
+                    <a:noFill/>
+                  </a:ln>
+                  <a:solidFill>
+                    <a:srgbClr val="FFFFFF"/>
+                  </a:solidFill>
+                  <a:effectLst/>
+                  <a:uLnTx/>
+                  <a:uFillTx/>
+                  <a:latin typeface="Arial" panose="020B0604020202020204"/>
+                  <a:ea typeface="黑体" panose="02010609060101010101" pitchFamily="49" charset="-122"/>
+                  <a:cs typeface="+mn-cs"/>
+                </a:rPr>
                 <a:t>Parent</a:t>
               </a:r>
-              <a:endParaRPr lang="en-US" dirty="0"/>
+              <a:endParaRPr kumimoji="0" lang="en-US" sz="1800" b="0" i="0" u="none" strike="noStrike" kern="0" cap="none" spc="0" normalizeH="0" baseline="0" noProof="0" dirty="0">
+                <a:ln>
+                  <a:noFill/>
+                </a:ln>
+                <a:solidFill>
+                  <a:srgbClr val="FFFFFF"/>
+                </a:solidFill>
+                <a:effectLst/>
+                <a:uLnTx/>
+                <a:uFillTx/>
+                <a:latin typeface="Arial" panose="020B0604020202020204"/>
+                <a:ea typeface="+mn-ea"/>
+                <a:cs typeface="+mn-cs"/>
+              </a:endParaRPr>
             </a:p>
           </p:txBody>
         </p:sp>
         <p:sp>
           <p:nvSpPr>
-            <p:cNvPr id="5" name="圆角矩形 4">
+            <p:cNvPr id="29" name="圆角矩形 4">
               <a:extLst>
                 <a:ext uri="{FF2B5EF4-FFF2-40B4-BE49-F238E27FC236}">
-                  <a16:creationId xmlns:a16="http://schemas.microsoft.com/office/drawing/2014/main" id="{4A759EAF-CA22-0389-00A5-2B0B787C3A26}"/>
+                  <a16:creationId xmlns:a16="http://schemas.microsoft.com/office/drawing/2014/main" id="{964AB1D7-6A4D-283C-2FD5-D903DC3B6361}"/>
                 </a:ext>
               </a:extLst>
             </p:cNvPr>
@@ -10078,22 +10137,17 @@
             <a:prstGeom prst="roundRect">
               <a:avLst/>
             </a:prstGeom>
-            <a:ln/>
+            <a:solidFill>
+              <a:srgbClr val="FFFFFF"/>
+            </a:solidFill>
+            <a:ln w="25400" cap="flat" cmpd="sng" algn="ctr">
+              <a:solidFill>
+                <a:srgbClr val="000000"/>
+              </a:solidFill>
+              <a:prstDash val="solid"/>
+            </a:ln>
+            <a:effectLst/>
           </p:spPr>
-          <p:style>
-            <a:lnRef idx="2">
-              <a:schemeClr val="dk1"/>
-            </a:lnRef>
-            <a:fillRef idx="1">
-              <a:schemeClr val="lt1"/>
-            </a:fillRef>
-            <a:effectRef idx="0">
-              <a:schemeClr val="dk1"/>
-            </a:effectRef>
-            <a:fontRef idx="minor">
-              <a:schemeClr val="dk1"/>
-            </a:fontRef>
-          </p:style>
           <p:txBody>
             <a:bodyPr rot="0" spcFirstLastPara="0" vertOverflow="overflow" horzOverflow="overflow" vert="horz" wrap="square" lIns="91440" tIns="45720" rIns="91440" bIns="45720" numCol="1" spcCol="0" rtlCol="0" fromWordArt="0" anchor="ctr" anchorCtr="0" forceAA="0" compatLnSpc="1">
               <a:prstTxWarp prst="textNoShape">
@@ -10103,21 +10157,63 @@
             </a:bodyPr>
             <a:lstStyle/>
             <a:p>
-              <a:pPr algn="ctr"/>
+              <a:pPr marL="0" marR="0" lvl="0" indent="0" algn="ctr" defTabSz="457200" eaLnBrk="1" fontAlgn="auto" latinLnBrk="0" hangingPunct="1">
+                <a:lnSpc>
+                  <a:spcPct val="100000"/>
+                </a:lnSpc>
+                <a:spcBef>
+                  <a:spcPts val="0"/>
+                </a:spcBef>
+                <a:spcAft>
+                  <a:spcPts val="0"/>
+                </a:spcAft>
+                <a:buClrTx/>
+                <a:buSzTx/>
+                <a:buFontTx/>
+                <a:buNone/>
+                <a:tabLst/>
+                <a:defRPr/>
+              </a:pPr>
               <a:r>
-                <a:rPr lang="en-US" altLang="zh-CN" dirty="0"/>
+                <a:rPr kumimoji="0" lang="en-US" altLang="zh-CN" sz="1800" b="0" i="0" u="none" strike="noStrike" kern="0" cap="none" spc="0" normalizeH="0" baseline="0" noProof="0" dirty="0">
+                  <a:ln>
+                    <a:noFill/>
+                  </a:ln>
+                  <a:solidFill>
+                    <a:srgbClr val="000000"/>
+                  </a:solidFill>
+                  <a:effectLst/>
+                  <a:uLnTx/>
+                  <a:uFillTx/>
+                  <a:latin typeface="Arial" panose="020B0604020202020204"/>
+                  <a:ea typeface="黑体" panose="02010609060101010101" pitchFamily="49" charset="-122"/>
+                  <a:cs typeface="+mn-cs"/>
+                </a:rPr>
                 <a:t>fork()</a:t>
               </a:r>
-              <a:endParaRPr lang="en-US" dirty="0"/>
+              <a:endParaRPr kumimoji="0" lang="en-US" sz="1800" b="0" i="0" u="none" strike="noStrike" kern="0" cap="none" spc="0" normalizeH="0" baseline="0" noProof="0" dirty="0">
+                <a:ln>
+                  <a:noFill/>
+                </a:ln>
+                <a:solidFill>
+                  <a:srgbClr val="000000"/>
+                </a:solidFill>
+                <a:effectLst/>
+                <a:uLnTx/>
+                <a:uFillTx/>
+                <a:latin typeface="Arial" panose="020B0604020202020204"/>
+                <a:ea typeface="+mn-ea"/>
+                <a:cs typeface="+mn-cs"/>
+              </a:endParaRPr>
             </a:p>
           </p:txBody>
         </p:sp>
         <p:sp>
           <p:nvSpPr>
-            <p:cNvPr id="6" name="圆角矩形 5">
+            <p:cNvPr id="30" name="圆角矩形 5">
               <a:extLst>
                 <a:ext uri="{FF2B5EF4-FFF2-40B4-BE49-F238E27FC236}">
-                  <a16:creationId xmlns:a16="http://schemas.microsoft.com/office/drawing/2014/main" id="{14644789-AEE7-4596-9BD4-991234680F11}"/>
+                  <a16:creationId xmlns:a16="http://schemas.microsoft.com/office/drawing/2014/main" id="{729E7C93-ECE0-004E-C2F2-BA45C512B226}"/>
                 </a:ext>
               </a:extLst>
             </p:cNvPr>
@@ -10135,8 +10231,9 @@
             <a:solidFill>
               <a:srgbClr val="43B7B0"/>
             </a:solidFill>
-            <a:ln>
+            <a:ln w="9525" cap="flat" cmpd="sng" algn="ctr">
               <a:noFill/>
+              <a:prstDash val="solid"/>
             </a:ln>
             <a:effectLst>
               <a:outerShdw blurRad="114300" dist="12700" dir="5400000" rotWithShape="0">
@@ -10146,20 +10243,6 @@
               </a:outerShdw>
             </a:effectLst>
           </p:spPr>
-          <p:style>
-            <a:lnRef idx="1">
-              <a:schemeClr val="accent1"/>
-            </a:lnRef>
-            <a:fillRef idx="3">
-              <a:schemeClr val="accent1"/>
-            </a:fillRef>
-            <a:effectRef idx="2">
-              <a:schemeClr val="accent1"/>
-            </a:effectRef>
-            <a:fontRef idx="minor">
-              <a:schemeClr val="lt1"/>
-            </a:fontRef>
-          </p:style>
           <p:txBody>
             <a:bodyPr rot="0" spcFirstLastPara="0" vertOverflow="overflow" horzOverflow="overflow" vert="horz" wrap="square" lIns="91440" tIns="45720" rIns="91440" bIns="45720" numCol="1" spcCol="0" rtlCol="0" fromWordArt="0" anchor="ctr" anchorCtr="0" forceAA="0" compatLnSpc="1">
               <a:prstTxWarp prst="textNoShape">
@@ -10169,21 +10252,63 @@
             </a:bodyPr>
             <a:lstStyle/>
             <a:p>
-              <a:pPr algn="ctr"/>
+              <a:pPr marL="0" marR="0" lvl="0" indent="0" algn="ctr" defTabSz="457200" eaLnBrk="1" fontAlgn="auto" latinLnBrk="0" hangingPunct="1">
+                <a:lnSpc>
+                  <a:spcPct val="100000"/>
+                </a:lnSpc>
+                <a:spcBef>
+                  <a:spcPts val="0"/>
+                </a:spcBef>
+                <a:spcAft>
+                  <a:spcPts val="0"/>
+                </a:spcAft>
+                <a:buClrTx/>
+                <a:buSzTx/>
+                <a:buFontTx/>
+                <a:buNone/>
+                <a:tabLst/>
+                <a:defRPr/>
+              </a:pPr>
               <a:r>
-                <a:rPr lang="en-US" altLang="zh-CN" dirty="0"/>
+                <a:rPr kumimoji="0" lang="en-US" altLang="zh-CN" sz="1800" b="0" i="0" u="none" strike="noStrike" kern="0" cap="none" spc="0" normalizeH="0" baseline="0" noProof="0" dirty="0">
+                  <a:ln>
+                    <a:noFill/>
+                  </a:ln>
+                  <a:solidFill>
+                    <a:srgbClr val="FFFFFF"/>
+                  </a:solidFill>
+                  <a:effectLst/>
+                  <a:uLnTx/>
+                  <a:uFillTx/>
+                  <a:latin typeface="Arial" panose="020B0604020202020204"/>
+                  <a:ea typeface="黑体" panose="02010609060101010101" pitchFamily="49" charset="-122"/>
+                  <a:cs typeface="+mn-cs"/>
+                </a:rPr>
                 <a:t>Parent</a:t>
               </a:r>
-              <a:endParaRPr lang="en-US" dirty="0"/>
+              <a:endParaRPr kumimoji="0" lang="en-US" sz="1800" b="0" i="0" u="none" strike="noStrike" kern="0" cap="none" spc="0" normalizeH="0" baseline="0" noProof="0" dirty="0">
+                <a:ln>
+                  <a:noFill/>
+                </a:ln>
+                <a:solidFill>
+                  <a:srgbClr val="FFFFFF"/>
+                </a:solidFill>
+                <a:effectLst/>
+                <a:uLnTx/>
+                <a:uFillTx/>
+                <a:latin typeface="Arial" panose="020B0604020202020204"/>
+                <a:ea typeface="+mn-ea"/>
+                <a:cs typeface="+mn-cs"/>
+              </a:endParaRPr>
             </a:p>
           </p:txBody>
         </p:sp>
         <p:sp>
           <p:nvSpPr>
-            <p:cNvPr id="7" name="圆角矩形 6">
+            <p:cNvPr id="31" name="圆角矩形 6">
               <a:extLst>
                 <a:ext uri="{FF2B5EF4-FFF2-40B4-BE49-F238E27FC236}">
-                  <a16:creationId xmlns:a16="http://schemas.microsoft.com/office/drawing/2014/main" id="{B1E9BB9F-8608-D2C3-7EC6-9E5D636563D7}"/>
+                  <a16:creationId xmlns:a16="http://schemas.microsoft.com/office/drawing/2014/main" id="{4931CE79-59A8-200A-8FD1-0076EA56B8F7}"/>
                 </a:ext>
               </a:extLst>
             </p:cNvPr>
@@ -10198,24 +10323,19 @@
             <a:prstGeom prst="roundRect">
               <a:avLst/>
             </a:prstGeom>
-            <a:ln/>
+            <a:solidFill>
+              <a:srgbClr val="BCD024"/>
+            </a:solidFill>
+            <a:ln w="25400" cap="flat" cmpd="sng" algn="ctr">
+              <a:solidFill>
+                <a:srgbClr val="BCD024">
+                  <a:shade val="50000"/>
+                </a:srgbClr>
+              </a:solidFill>
+              <a:prstDash val="solid"/>
+            </a:ln>
+            <a:effectLst/>
           </p:spPr>
-          <p:style>
-            <a:lnRef idx="2">
-              <a:schemeClr val="accent3">
-                <a:shade val="50000"/>
-              </a:schemeClr>
-            </a:lnRef>
-            <a:fillRef idx="1">
-              <a:schemeClr val="accent3"/>
-            </a:fillRef>
-            <a:effectRef idx="0">
-              <a:schemeClr val="accent3"/>
-            </a:effectRef>
-            <a:fontRef idx="minor">
-              <a:schemeClr val="lt1"/>
-            </a:fontRef>
-          </p:style>
           <p:txBody>
             <a:bodyPr rot="0" spcFirstLastPara="0" vertOverflow="overflow" horzOverflow="overflow" vert="horz" wrap="square" lIns="91440" tIns="45720" rIns="91440" bIns="45720" numCol="1" spcCol="0" rtlCol="0" fromWordArt="0" anchor="ctr" anchorCtr="0" forceAA="0" compatLnSpc="1">
               <a:prstTxWarp prst="textNoShape">
@@ -10225,27 +10345,69 @@
             </a:bodyPr>
             <a:lstStyle/>
             <a:p>
-              <a:pPr algn="ctr"/>
+              <a:pPr marL="0" marR="0" lvl="0" indent="0" algn="ctr" defTabSz="457200" eaLnBrk="1" fontAlgn="auto" latinLnBrk="0" hangingPunct="1">
+                <a:lnSpc>
+                  <a:spcPct val="100000"/>
+                </a:lnSpc>
+                <a:spcBef>
+                  <a:spcPts val="0"/>
+                </a:spcBef>
+                <a:spcAft>
+                  <a:spcPts val="0"/>
+                </a:spcAft>
+                <a:buClrTx/>
+                <a:buSzTx/>
+                <a:buFontTx/>
+                <a:buNone/>
+                <a:tabLst/>
+                <a:defRPr/>
+              </a:pPr>
               <a:r>
-                <a:rPr lang="en-US" altLang="zh-CN" dirty="0"/>
+                <a:rPr kumimoji="0" lang="en-US" altLang="zh-CN" sz="1800" b="0" i="0" u="none" strike="noStrike" kern="0" cap="none" spc="0" normalizeH="0" baseline="0" noProof="0" dirty="0">
+                  <a:ln>
+                    <a:noFill/>
+                  </a:ln>
+                  <a:solidFill>
+                    <a:srgbClr val="FFFFFF"/>
+                  </a:solidFill>
+                  <a:effectLst/>
+                  <a:uLnTx/>
+                  <a:uFillTx/>
+                  <a:latin typeface="Arial" panose="020B0604020202020204"/>
+                  <a:ea typeface="黑体" panose="02010609060101010101" pitchFamily="49" charset="-122"/>
+                  <a:cs typeface="+mn-cs"/>
+                </a:rPr>
                 <a:t>Child</a:t>
               </a:r>
-              <a:endParaRPr lang="en-US" dirty="0"/>
+              <a:endParaRPr kumimoji="0" lang="en-US" sz="1800" b="0" i="0" u="none" strike="noStrike" kern="0" cap="none" spc="0" normalizeH="0" baseline="0" noProof="0" dirty="0">
+                <a:ln>
+                  <a:noFill/>
+                </a:ln>
+                <a:solidFill>
+                  <a:srgbClr val="FFFFFF"/>
+                </a:solidFill>
+                <a:effectLst/>
+                <a:uLnTx/>
+                <a:uFillTx/>
+                <a:latin typeface="Arial" panose="020B0604020202020204"/>
+                <a:ea typeface="+mn-ea"/>
+                <a:cs typeface="+mn-cs"/>
+              </a:endParaRPr>
             </a:p>
           </p:txBody>
         </p:sp>
         <p:cxnSp>
           <p:nvCxnSpPr>
-            <p:cNvPr id="9" name="直线箭头连接符 8">
+            <p:cNvPr id="32" name="直线箭头连接符 8">
               <a:extLst>
                 <a:ext uri="{FF2B5EF4-FFF2-40B4-BE49-F238E27FC236}">
-                  <a16:creationId xmlns:a16="http://schemas.microsoft.com/office/drawing/2014/main" id="{678F2819-6D42-C933-944F-562CF78E774E}"/>
+                  <a16:creationId xmlns:a16="http://schemas.microsoft.com/office/drawing/2014/main" id="{956871A9-EDCB-03F1-1EA5-B351A20CBA5C}"/>
                 </a:ext>
               </a:extLst>
             </p:cNvPr>
             <p:cNvCxnSpPr>
-              <a:stCxn id="4" idx="2"/>
-              <a:endCxn id="5" idx="0"/>
+              <a:stCxn id="28" idx="2"/>
+              <a:endCxn id="29" idx="0"/>
             </p:cNvCxnSpPr>
             <p:nvPr/>
           </p:nvCxnSpPr>
@@ -10257,38 +10419,36 @@
             <a:prstGeom prst="straightConnector1">
               <a:avLst/>
             </a:prstGeom>
-            <a:ln>
+            <a:noFill/>
+            <a:ln w="25400" cap="flat" cmpd="sng" algn="ctr">
+              <a:solidFill>
+                <a:srgbClr val="B6C8E9"/>
+              </a:solidFill>
+              <a:prstDash val="solid"/>
               <a:tailEnd type="triangle"/>
             </a:ln>
+            <a:effectLst>
+              <a:outerShdw blurRad="40000" dist="20000" dir="5400000" rotWithShape="0">
+                <a:srgbClr val="000000">
+                  <a:alpha val="38000"/>
+                </a:srgbClr>
+              </a:outerShdw>
+            </a:effectLst>
           </p:spPr>
-          <p:style>
-            <a:lnRef idx="2">
-              <a:schemeClr val="accent1"/>
-            </a:lnRef>
-            <a:fillRef idx="0">
-              <a:schemeClr val="accent1"/>
-            </a:fillRef>
-            <a:effectRef idx="1">
-              <a:schemeClr val="accent1"/>
-            </a:effectRef>
-            <a:fontRef idx="minor">
-              <a:schemeClr val="tx1"/>
-            </a:fontRef>
-          </p:style>
         </p:cxnSp>
         <p:cxnSp>
           <p:nvCxnSpPr>
-            <p:cNvPr id="11" name="曲线连接符 10">
+            <p:cNvPr id="33" name="曲线连接符 10">
               <a:extLst>
                 <a:ext uri="{FF2B5EF4-FFF2-40B4-BE49-F238E27FC236}">
-                  <a16:creationId xmlns:a16="http://schemas.microsoft.com/office/drawing/2014/main" id="{69483817-78E6-6AC7-1E9A-AFD6A29FE188}"/>
+                  <a16:creationId xmlns:a16="http://schemas.microsoft.com/office/drawing/2014/main" id="{4C3310E4-7FE3-69BA-760E-55CBEB94D967}"/>
                 </a:ext>
               </a:extLst>
             </p:cNvPr>
             <p:cNvCxnSpPr>
               <a:cxnSpLocks/>
-              <a:stCxn id="5" idx="1"/>
-              <a:endCxn id="10" idx="0"/>
+              <a:stCxn id="29" idx="1"/>
+              <a:endCxn id="35" idx="0"/>
             </p:cNvCxnSpPr>
             <p:nvPr/>
           </p:nvCxnSpPr>
@@ -10300,37 +10460,35 @@
             <a:prstGeom prst="curvedConnector2">
               <a:avLst/>
             </a:prstGeom>
-            <a:ln>
+            <a:noFill/>
+            <a:ln w="25400" cap="flat" cmpd="sng" algn="ctr">
+              <a:solidFill>
+                <a:srgbClr val="B6C8E9"/>
+              </a:solidFill>
+              <a:prstDash val="solid"/>
               <a:tailEnd type="triangle"/>
             </a:ln>
+            <a:effectLst>
+              <a:outerShdw blurRad="40000" dist="20000" dir="5400000" rotWithShape="0">
+                <a:srgbClr val="000000">
+                  <a:alpha val="38000"/>
+                </a:srgbClr>
+              </a:outerShdw>
+            </a:effectLst>
           </p:spPr>
-          <p:style>
-            <a:lnRef idx="2">
-              <a:schemeClr val="accent1"/>
-            </a:lnRef>
-            <a:fillRef idx="0">
-              <a:schemeClr val="accent1"/>
-            </a:fillRef>
-            <a:effectRef idx="1">
-              <a:schemeClr val="accent1"/>
-            </a:effectRef>
-            <a:fontRef idx="minor">
-              <a:schemeClr val="tx1"/>
-            </a:fontRef>
-          </p:style>
         </p:cxnSp>
         <p:cxnSp>
           <p:nvCxnSpPr>
-            <p:cNvPr id="13" name="曲线连接符 12">
+            <p:cNvPr id="34" name="曲线连接符 12">
               <a:extLst>
                 <a:ext uri="{FF2B5EF4-FFF2-40B4-BE49-F238E27FC236}">
-                  <a16:creationId xmlns:a16="http://schemas.microsoft.com/office/drawing/2014/main" id="{74F419DB-2210-6314-AD3D-B63948776062}"/>
+                  <a16:creationId xmlns:a16="http://schemas.microsoft.com/office/drawing/2014/main" id="{4822B5D9-2A1C-B5F9-4E54-E106536D3212}"/>
                 </a:ext>
               </a:extLst>
             </p:cNvPr>
             <p:cNvCxnSpPr>
-              <a:stCxn id="5" idx="3"/>
-              <a:endCxn id="7" idx="0"/>
+              <a:stCxn id="29" idx="3"/>
+              <a:endCxn id="31" idx="0"/>
             </p:cNvCxnSpPr>
             <p:nvPr/>
           </p:nvCxnSpPr>
@@ -10342,31 +10500,29 @@
             <a:prstGeom prst="curvedConnector2">
               <a:avLst/>
             </a:prstGeom>
-            <a:ln>
+            <a:noFill/>
+            <a:ln w="25400" cap="flat" cmpd="sng" algn="ctr">
+              <a:solidFill>
+                <a:srgbClr val="B6C8E9"/>
+              </a:solidFill>
+              <a:prstDash val="solid"/>
               <a:tailEnd type="triangle"/>
             </a:ln>
+            <a:effectLst>
+              <a:outerShdw blurRad="40000" dist="20000" dir="5400000" rotWithShape="0">
+                <a:srgbClr val="000000">
+                  <a:alpha val="38000"/>
+                </a:srgbClr>
+              </a:outerShdw>
+            </a:effectLst>
           </p:spPr>
-          <p:style>
-            <a:lnRef idx="2">
-              <a:schemeClr val="accent1"/>
-            </a:lnRef>
-            <a:fillRef idx="0">
-              <a:schemeClr val="accent1"/>
-            </a:fillRef>
-            <a:effectRef idx="1">
-              <a:schemeClr val="accent1"/>
-            </a:effectRef>
-            <a:fontRef idx="minor">
-              <a:schemeClr val="tx1"/>
-            </a:fontRef>
-          </p:style>
         </p:cxnSp>
         <p:sp>
           <p:nvSpPr>
-            <p:cNvPr id="10" name="圆角矩形 9">
+            <p:cNvPr id="35" name="圆角矩形 9">
               <a:extLst>
                 <a:ext uri="{FF2B5EF4-FFF2-40B4-BE49-F238E27FC236}">
-                  <a16:creationId xmlns:a16="http://schemas.microsoft.com/office/drawing/2014/main" id="{7DC0DB6C-7DDC-CB9E-03AD-6EC6203B60EE}"/>
+                  <a16:creationId xmlns:a16="http://schemas.microsoft.com/office/drawing/2014/main" id="{B039C8C6-7DC1-6E0F-E01A-267BBDF8CDBB}"/>
                 </a:ext>
               </a:extLst>
             </p:cNvPr>
@@ -10381,22 +10537,17 @@
             <a:prstGeom prst="roundRect">
               <a:avLst/>
             </a:prstGeom>
-            <a:ln/>
+            <a:solidFill>
+              <a:srgbClr val="FFFFFF"/>
+            </a:solidFill>
+            <a:ln w="25400" cap="flat" cmpd="sng" algn="ctr">
+              <a:solidFill>
+                <a:srgbClr val="000000"/>
+              </a:solidFill>
+              <a:prstDash val="solid"/>
+            </a:ln>
+            <a:effectLst/>
           </p:spPr>
-          <p:style>
-            <a:lnRef idx="2">
-              <a:schemeClr val="dk1"/>
-            </a:lnRef>
-            <a:fillRef idx="1">
-              <a:schemeClr val="lt1"/>
-            </a:fillRef>
-            <a:effectRef idx="0">
-              <a:schemeClr val="dk1"/>
-            </a:effectRef>
-            <a:fontRef idx="minor">
-              <a:schemeClr val="dk1"/>
-            </a:fontRef>
-          </p:style>
           <p:txBody>
             <a:bodyPr rot="0" spcFirstLastPara="0" vertOverflow="overflow" horzOverflow="overflow" vert="horz" wrap="square" lIns="91440" tIns="45720" rIns="91440" bIns="45720" numCol="1" spcCol="0" rtlCol="0" fromWordArt="0" anchor="ctr" anchorCtr="0" forceAA="0" compatLnSpc="1">
               <a:prstTxWarp prst="textNoShape">
@@ -10406,21 +10557,63 @@
             </a:bodyPr>
             <a:lstStyle/>
             <a:p>
-              <a:pPr algn="ctr"/>
+              <a:pPr marL="0" marR="0" lvl="0" indent="0" algn="ctr" defTabSz="457200" eaLnBrk="1" fontAlgn="auto" latinLnBrk="0" hangingPunct="1">
+                <a:lnSpc>
+                  <a:spcPct val="100000"/>
+                </a:lnSpc>
+                <a:spcBef>
+                  <a:spcPts val="0"/>
+                </a:spcBef>
+                <a:spcAft>
+                  <a:spcPts val="0"/>
+                </a:spcAft>
+                <a:buClrTx/>
+                <a:buSzTx/>
+                <a:buFontTx/>
+                <a:buNone/>
+                <a:tabLst/>
+                <a:defRPr/>
+              </a:pPr>
               <a:r>
-                <a:rPr lang="en-US" altLang="zh-CN" dirty="0"/>
+                <a:rPr kumimoji="0" lang="en-US" altLang="zh-CN" sz="1800" b="0" i="0" u="none" strike="noStrike" kern="0" cap="none" spc="0" normalizeH="0" baseline="0" noProof="0" dirty="0">
+                  <a:ln>
+                    <a:noFill/>
+                  </a:ln>
+                  <a:solidFill>
+                    <a:srgbClr val="000000"/>
+                  </a:solidFill>
+                  <a:effectLst/>
+                  <a:uLnTx/>
+                  <a:uFillTx/>
+                  <a:latin typeface="Arial" panose="020B0604020202020204"/>
+                  <a:ea typeface="黑体" panose="02010609060101010101" pitchFamily="49" charset="-122"/>
+                  <a:cs typeface="+mn-cs"/>
+                </a:rPr>
                 <a:t>wait()</a:t>
               </a:r>
-              <a:endParaRPr lang="en-US" dirty="0"/>
+              <a:endParaRPr kumimoji="0" lang="en-US" sz="1800" b="0" i="0" u="none" strike="noStrike" kern="0" cap="none" spc="0" normalizeH="0" baseline="0" noProof="0" dirty="0">
+                <a:ln>
+                  <a:noFill/>
+                </a:ln>
+                <a:solidFill>
+                  <a:srgbClr val="000000"/>
+                </a:solidFill>
+                <a:effectLst/>
+                <a:uLnTx/>
+                <a:uFillTx/>
+                <a:latin typeface="Arial" panose="020B0604020202020204"/>
+                <a:ea typeface="+mn-ea"/>
+                <a:cs typeface="+mn-cs"/>
+              </a:endParaRPr>
             </a:p>
           </p:txBody>
         </p:sp>
         <p:cxnSp>
           <p:nvCxnSpPr>
-            <p:cNvPr id="18" name="直线箭头连接符 17">
+            <p:cNvPr id="36" name="直线箭头连接符 17">
               <a:extLst>
                 <a:ext uri="{FF2B5EF4-FFF2-40B4-BE49-F238E27FC236}">
-                  <a16:creationId xmlns:a16="http://schemas.microsoft.com/office/drawing/2014/main" id="{D2357477-F5FF-4497-7945-EED8764334E0}"/>
+                  <a16:creationId xmlns:a16="http://schemas.microsoft.com/office/drawing/2014/main" id="{F6349095-3D57-9488-5BD3-B5664143170E}"/>
                 </a:ext>
               </a:extLst>
             </p:cNvPr>
@@ -10435,37 +10628,35 @@
             <a:prstGeom prst="straightConnector1">
               <a:avLst/>
             </a:prstGeom>
-            <a:ln>
+            <a:noFill/>
+            <a:ln w="25400" cap="flat" cmpd="sng" algn="ctr">
+              <a:solidFill>
+                <a:srgbClr val="B6C8E9"/>
+              </a:solidFill>
+              <a:prstDash val="solid"/>
               <a:tailEnd type="triangle"/>
             </a:ln>
+            <a:effectLst>
+              <a:outerShdw blurRad="40000" dist="20000" dir="5400000" rotWithShape="0">
+                <a:srgbClr val="000000">
+                  <a:alpha val="38000"/>
+                </a:srgbClr>
+              </a:outerShdw>
+            </a:effectLst>
           </p:spPr>
-          <p:style>
-            <a:lnRef idx="2">
-              <a:schemeClr val="accent1"/>
-            </a:lnRef>
-            <a:fillRef idx="0">
-              <a:schemeClr val="accent1"/>
-            </a:fillRef>
-            <a:effectRef idx="1">
-              <a:schemeClr val="accent1"/>
-            </a:effectRef>
-            <a:fontRef idx="minor">
-              <a:schemeClr val="tx1"/>
-            </a:fontRef>
-          </p:style>
         </p:cxnSp>
         <p:cxnSp>
           <p:nvCxnSpPr>
-            <p:cNvPr id="19" name="直线箭头连接符 18">
+            <p:cNvPr id="37" name="直线箭头连接符 18">
               <a:extLst>
                 <a:ext uri="{FF2B5EF4-FFF2-40B4-BE49-F238E27FC236}">
-                  <a16:creationId xmlns:a16="http://schemas.microsoft.com/office/drawing/2014/main" id="{03D7548B-6495-825D-94CF-A6261E2C3A7C}"/>
+                  <a16:creationId xmlns:a16="http://schemas.microsoft.com/office/drawing/2014/main" id="{FB842763-B99C-338F-B254-35C9273087FE}"/>
                 </a:ext>
               </a:extLst>
             </p:cNvPr>
             <p:cNvCxnSpPr>
               <a:cxnSpLocks/>
-              <a:endCxn id="10" idx="3"/>
+              <a:endCxn id="35" idx="3"/>
             </p:cNvCxnSpPr>
             <p:nvPr/>
           </p:nvCxnSpPr>
@@ -10477,59 +10668,24 @@
             <a:prstGeom prst="straightConnector1">
               <a:avLst/>
             </a:prstGeom>
-            <a:ln>
+            <a:noFill/>
+            <a:ln w="25400" cap="flat" cmpd="sng" algn="ctr">
+              <a:solidFill>
+                <a:srgbClr val="B6C8E9"/>
+              </a:solidFill>
+              <a:prstDash val="solid"/>
               <a:tailEnd type="triangle"/>
             </a:ln>
+            <a:effectLst>
+              <a:outerShdw blurRad="40000" dist="20000" dir="5400000" rotWithShape="0">
+                <a:srgbClr val="000000">
+                  <a:alpha val="38000"/>
+                </a:srgbClr>
+              </a:outerShdw>
+            </a:effectLst>
           </p:spPr>
-          <p:style>
-            <a:lnRef idx="2">
-              <a:schemeClr val="accent1"/>
-            </a:lnRef>
-            <a:fillRef idx="0">
-              <a:schemeClr val="accent1"/>
-            </a:fillRef>
-            <a:effectRef idx="1">
-              <a:schemeClr val="accent1"/>
-            </a:effectRef>
-            <a:fontRef idx="minor">
-              <a:schemeClr val="tx1"/>
-            </a:fontRef>
-          </p:style>
         </p:cxnSp>
       </p:grpSp>
-      <p:sp>
-        <p:nvSpPr>
-          <p:cNvPr id="8" name="页脚占位符 7">
-            <a:extLst>
-              <a:ext uri="{FF2B5EF4-FFF2-40B4-BE49-F238E27FC236}">
-                <a16:creationId xmlns:a16="http://schemas.microsoft.com/office/drawing/2014/main" id="{A40EF8F4-6565-0561-72EA-C97C74133A9A}"/>
-              </a:ext>
-            </a:extLst>
-          </p:cNvPr>
-          <p:cNvSpPr>
-            <a:spLocks noGrp="1"/>
-          </p:cNvSpPr>
-          <p:nvPr>
-            <p:ph type="ftr" sz="quarter" idx="4294967295"/>
-          </p:nvPr>
-        </p:nvSpPr>
-        <p:spPr>
-          <a:xfrm>
-            <a:off x="4038600" y="6356351"/>
-            <a:ext cx="4114800" cy="365125"/>
-          </a:xfrm>
-          <a:prstGeom prst="rect">
-            <a:avLst/>
-          </a:prstGeom>
-        </p:spPr>
-        <p:txBody>
-          <a:bodyPr/>
-          <a:lstStyle/>
-          <a:p>
-            <a:endParaRPr lang="en-US" altLang="zh-CN" dirty="0"/>
-          </a:p>
-        </p:txBody>
-      </p:sp>
     </p:spTree>
     <p:extLst>
       <p:ext uri="{BB962C8B-B14F-4D97-AF65-F5344CB8AC3E}">
@@ -11294,7 +11450,39 @@
                   <a:srgbClr val="3D7B7B"/>
                 </a:solidFill>
               </a:rPr>
-              <a:t>		// parent goes down this path (original process)</a:t>
+              <a:t>		// parent goes down this path (original process). </a:t>
+            </a:r>
+            <a:r>
+              <a:rPr lang="en-US" altLang="zh-CN" sz="1600" i="1" dirty="0" err="1">
+                <a:solidFill>
+                  <a:srgbClr val="3D7B7B"/>
+                </a:solidFill>
+              </a:rPr>
+              <a:t>wc</a:t>
+            </a:r>
+            <a:r>
+              <a:rPr lang="en-US" altLang="zh-CN" sz="1600" i="1" dirty="0">
+                <a:solidFill>
+                  <a:srgbClr val="3D7B7B"/>
+                </a:solidFill>
+              </a:rPr>
+              <a:t> stores </a:t>
+            </a:r>
+            <a:r>
+              <a:rPr lang="en-US" altLang="zh-CN" sz="1600" i="1" dirty="0" err="1">
+                <a:solidFill>
+                  <a:srgbClr val="3D7B7B"/>
+                </a:solidFill>
+              </a:rPr>
+              <a:t>pid</a:t>
+            </a:r>
+            <a:r>
+              <a:rPr lang="en-US" altLang="zh-CN" sz="1600" i="1" dirty="0">
+                <a:solidFill>
+                  <a:srgbClr val="3D7B7B"/>
+                </a:solidFill>
+              </a:rPr>
+              <a:t> of the child process that is waited for</a:t>
             </a:r>
             <a:r>
               <a:rPr lang="en-US" altLang="zh-CN" sz="1600" dirty="0"/>
@@ -12349,13 +12537,13 @@
                   <a:srgbClr val="0070C0"/>
                 </a:solidFill>
               </a:rPr>
-              <a:t>: it is nondeterministic which process (parent or child) runs first</a:t>
-            </a:r>
-            <a:endParaRPr lang="en-US" altLang="zh-CN" b="1" dirty="0">
-              <a:solidFill>
-                <a:srgbClr val="0070C0"/>
-              </a:solidFill>
-            </a:endParaRPr>
+              <a:t>: </a:t>
+            </a:r>
+            <a:r>
+              <a:rPr lang="en-GB" altLang="zh-CN" dirty="0"/>
+              <a:t>it is nondeterministic which process (parent or child) runs first</a:t>
+            </a:r>
+            <a:endParaRPr lang="en-US" altLang="zh-CN" dirty="0"/>
           </a:p>
           <a:p>
             <a:endParaRPr lang="en-US" dirty="0"/>
@@ -12392,13 +12580,13 @@
                   <a:srgbClr val="0070C0"/>
                 </a:solidFill>
               </a:rPr>
-              <a:t>wait(): child runs first, and parents waits for child to finish</a:t>
-            </a:r>
-            <a:endParaRPr lang="en-US" b="1" dirty="0">
-              <a:solidFill>
-                <a:srgbClr val="0070C0"/>
-              </a:solidFill>
-            </a:endParaRPr>
+              <a:t>wait(): </a:t>
+            </a:r>
+            <a:r>
+              <a:rPr lang="en-US" altLang="zh-CN" dirty="0"/>
+              <a:t>child runs first, and parents waits for child to finish</a:t>
+            </a:r>
+            <a:endParaRPr lang="en-US" dirty="0"/>
           </a:p>
         </p:txBody>
       </p:sp>
@@ -12569,7 +12757,12 @@
             <p:ph idx="1"/>
           </p:nvPr>
         </p:nvSpPr>
-        <p:spPr/>
+        <p:spPr>
+          <a:xfrm>
+            <a:off x="436159" y="727987"/>
+            <a:ext cx="11336392" cy="5138531"/>
+          </a:xfrm>
+        </p:spPr>
         <p:txBody>
           <a:bodyPr>
             <a:normAutofit/>
@@ -12632,20 +12825,8 @@
           <a:p>
             <a:pPr lvl="1"/>
             <a:r>
-              <a:rPr lang="en-US" altLang="zh-CN" b="1" dirty="0">
-                <a:solidFill>
-                  <a:srgbClr val="0070C0"/>
-                </a:solidFill>
-              </a:rPr>
-              <a:t>exec()</a:t>
-            </a:r>
-            <a:r>
-              <a:rPr lang="zh-CN" altLang="en-US" dirty="0"/>
-              <a:t> </a:t>
-            </a:r>
-            <a:r>
-              <a:rPr lang="en-US" altLang="zh-CN" dirty="0"/>
-              <a:t>does</a:t>
+              <a:rPr lang="en-US" altLang="zh-CN" dirty="0"/>
+              <a:t>It does</a:t>
             </a:r>
             <a:r>
               <a:rPr lang="zh-CN" altLang="en-US" dirty="0"/>
@@ -12861,6 +13042,45 @@
               <a:rPr lang="en-GB" altLang="zh-CN" dirty="0"/>
               <a:t> takes a variable number of arguments that represent the program name and its arguments.</a:t>
             </a:r>
+          </a:p>
+          <a:p>
+            <a:pPr lvl="2"/>
+            <a:r>
+              <a:rPr lang="en-GB" altLang="zh-CN" dirty="0"/>
+              <a:t>int </a:t>
+            </a:r>
+            <a:r>
+              <a:rPr lang="en-GB" altLang="zh-CN" dirty="0" err="1"/>
+              <a:t>execl</a:t>
+            </a:r>
+            <a:r>
+              <a:rPr lang="en-GB" altLang="zh-CN" dirty="0"/>
+              <a:t>(</a:t>
+            </a:r>
+            <a:r>
+              <a:rPr lang="en-GB" altLang="zh-CN" dirty="0" err="1"/>
+              <a:t>const</a:t>
+            </a:r>
+            <a:r>
+              <a:rPr lang="en-GB" altLang="zh-CN" dirty="0"/>
+              <a:t> char *path, </a:t>
+            </a:r>
+            <a:r>
+              <a:rPr lang="en-GB" altLang="zh-CN" dirty="0" err="1"/>
+              <a:t>const</a:t>
+            </a:r>
+            <a:r>
+              <a:rPr lang="en-GB" altLang="zh-CN" dirty="0"/>
+              <a:t> char *</a:t>
+            </a:r>
+            <a:r>
+              <a:rPr lang="en-GB" altLang="zh-CN" dirty="0" err="1"/>
+              <a:t>arg</a:t>
+            </a:r>
+            <a:r>
+              <a:rPr lang="en-GB" altLang="zh-CN" dirty="0"/>
+              <a:t>, ..., NULL);</a:t>
+            </a:r>
             <a:endParaRPr lang="en-US" altLang="zh-CN" dirty="0"/>
           </a:p>
           <a:p>
@@ -12885,7 +13105,46 @@
               <a:rPr lang="en-GB" altLang="zh-CN" dirty="0"/>
               <a:t>takes an array of arguments instead of a variable-length argument list</a:t>
             </a:r>
-            <a:endParaRPr lang="en-US" altLang="zh-CN" dirty="0"/>
+          </a:p>
+          <a:p>
+            <a:pPr lvl="2"/>
+            <a:r>
+              <a:rPr lang="en-GB" sz="2200" dirty="0"/>
+              <a:t>int </a:t>
+            </a:r>
+            <a:r>
+              <a:rPr lang="en-GB" sz="2200" dirty="0" err="1"/>
+              <a:t>execvp</a:t>
+            </a:r>
+            <a:r>
+              <a:rPr lang="en-GB" sz="2200" dirty="0"/>
+              <a:t>(</a:t>
+            </a:r>
+            <a:r>
+              <a:rPr lang="en-GB" sz="2200" dirty="0" err="1"/>
+              <a:t>const</a:t>
+            </a:r>
+            <a:r>
+              <a:rPr lang="en-GB" sz="2200" dirty="0"/>
+              <a:t> char *file, char *</a:t>
+            </a:r>
+            <a:r>
+              <a:rPr lang="en-GB" sz="2200" dirty="0" err="1"/>
+              <a:t>const</a:t>
+            </a:r>
+            <a:r>
+              <a:rPr lang="en-GB" sz="2200" dirty="0"/>
+              <a:t> </a:t>
+            </a:r>
+            <a:r>
+              <a:rPr lang="en-GB" sz="2200" dirty="0" err="1"/>
+              <a:t>argv</a:t>
+            </a:r>
+            <a:r>
+              <a:rPr lang="en-GB" sz="2200" dirty="0"/>
+              <a:t>[]);</a:t>
+            </a:r>
+            <a:endParaRPr lang="en-US" altLang="zh-CN" sz="2200" dirty="0"/>
           </a:p>
           <a:p>
             <a:pPr marL="0" indent="0">
@@ -12924,8 +13183,8 @@
         </p:blipFill>
         <p:spPr bwMode="auto">
           <a:xfrm>
-            <a:off x="2338087" y="3790901"/>
-            <a:ext cx="7866568" cy="2873483"/>
+            <a:off x="2832632" y="4097432"/>
+            <a:ext cx="6526735" cy="2384072"/>
           </a:xfrm>
           <a:prstGeom prst="rect">
             <a:avLst/>
@@ -13019,7 +13278,7 @@
         </p:nvSpPr>
         <p:spPr>
           <a:xfrm>
-            <a:off x="1838587" y="940758"/>
+            <a:off x="739129" y="962528"/>
             <a:ext cx="8502294" cy="5917243"/>
           </a:xfrm>
         </p:spPr>
@@ -14438,7 +14697,7 @@
         </p:nvSpPr>
         <p:spPr>
           <a:xfrm>
-            <a:off x="2779924" y="4307595"/>
+            <a:off x="1680466" y="4329365"/>
             <a:ext cx="6356732" cy="264406"/>
           </a:xfrm>
           <a:prstGeom prst="rect">
@@ -14475,39 +14734,6 @@
           </a:p>
         </p:txBody>
       </p:sp>
-      <p:sp>
-        <p:nvSpPr>
-          <p:cNvPr id="5" name="页脚占位符 4">
-            <a:extLst>
-              <a:ext uri="{FF2B5EF4-FFF2-40B4-BE49-F238E27FC236}">
-                <a16:creationId xmlns:a16="http://schemas.microsoft.com/office/drawing/2014/main" id="{98AEE029-2672-C9A8-81A1-7A91538AF25E}"/>
-              </a:ext>
-            </a:extLst>
-          </p:cNvPr>
-          <p:cNvSpPr>
-            <a:spLocks noGrp="1"/>
-          </p:cNvSpPr>
-          <p:nvPr>
-            <p:ph type="ftr" sz="quarter" idx="4294967295"/>
-          </p:nvPr>
-        </p:nvSpPr>
-        <p:spPr>
-          <a:xfrm>
-            <a:off x="4038600" y="6356351"/>
-            <a:ext cx="4114800" cy="365125"/>
-          </a:xfrm>
-          <a:prstGeom prst="rect">
-            <a:avLst/>
-          </a:prstGeom>
-        </p:spPr>
-        <p:txBody>
-          <a:bodyPr/>
-          <a:lstStyle/>
-          <a:p>
-            <a:endParaRPr lang="en-US" altLang="zh-CN" dirty="0"/>
-          </a:p>
-        </p:txBody>
-      </p:sp>
       <p:pic>
         <p:nvPicPr>
           <p:cNvPr id="6" name="图片 4">
@@ -14530,7 +14756,7 @@
         </p:blipFill>
         <p:spPr>
           <a:xfrm>
-            <a:off x="5945530" y="1179129"/>
+            <a:off x="5789393" y="1466749"/>
             <a:ext cx="5966448" cy="1003093"/>
           </a:xfrm>
           <a:prstGeom prst="rect">
@@ -14552,12 +14778,59 @@
           </a:fontRef>
         </p:style>
       </p:pic>
+      <p:pic>
+        <p:nvPicPr>
+          <p:cNvPr id="7" name="Picture 2" descr="Process management :: Operating systems 2018">
+            <a:extLst>
+              <a:ext uri="{FF2B5EF4-FFF2-40B4-BE49-F238E27FC236}">
+                <a16:creationId xmlns:a16="http://schemas.microsoft.com/office/drawing/2014/main" id="{C6D9E28B-3858-47C3-1888-3FD2A595EBBF}"/>
+              </a:ext>
+            </a:extLst>
+          </p:cNvPr>
+          <p:cNvPicPr>
+            <a:picLocks noChangeAspect="1" noChangeArrowheads="1"/>
+          </p:cNvPicPr>
+          <p:nvPr/>
+        </p:nvPicPr>
+        <p:blipFill>
+          <a:blip r:embed="rId4" cstate="email">
+            <a:extLst>
+              <a:ext uri="{28A0092B-C50C-407E-A947-70E740481C1C}">
+                <a14:useLocalDpi xmlns:a14="http://schemas.microsoft.com/office/drawing/2010/main" val="0"/>
+              </a:ext>
+            </a:extLst>
+          </a:blip>
+          <a:srcRect/>
+          <a:stretch>
+            <a:fillRect/>
+          </a:stretch>
+        </p:blipFill>
+        <p:spPr bwMode="auto">
+          <a:xfrm>
+            <a:off x="8978535" y="2399481"/>
+            <a:ext cx="3084930" cy="4163354"/>
+          </a:xfrm>
+          <a:prstGeom prst="rect">
+            <a:avLst/>
+          </a:prstGeom>
+          <a:noFill/>
+          <a:extLst>
+            <a:ext uri="{909E8E84-426E-40DD-AFC4-6F175D3DCCD1}">
+              <a14:hiddenFill xmlns:a14="http://schemas.microsoft.com/office/drawing/2010/main">
+                <a:solidFill>
+                  <a:srgbClr val="FFFFFF"/>
+                </a:solidFill>
+              </a14:hiddenFill>
+            </a:ext>
+          </a:extLst>
+        </p:spPr>
+      </p:pic>
       <p:sp>
         <p:nvSpPr>
-          <p:cNvPr id="8" name="TextBox 7">
+          <p:cNvPr id="9" name="TextBox 8">
             <a:extLst>
               <a:ext uri="{FF2B5EF4-FFF2-40B4-BE49-F238E27FC236}">
-                <a16:creationId xmlns:a16="http://schemas.microsoft.com/office/drawing/2014/main" id="{346D52DE-7A5E-C834-4502-A9BB2079EB84}"/>
+                <a16:creationId xmlns:a16="http://schemas.microsoft.com/office/drawing/2014/main" id="{068D069E-9E8A-D235-BCA8-4E589BB3154C}"/>
               </a:ext>
             </a:extLst>
           </p:cNvPr>
@@ -14566,29 +14839,53 @@
         </p:nvSpPr>
         <p:spPr>
           <a:xfrm>
-            <a:off x="5842846" y="779019"/>
-            <a:ext cx="926857" cy="400110"/>
+            <a:off x="5750377" y="763271"/>
+            <a:ext cx="4693920" cy="646331"/>
           </a:xfrm>
           <a:prstGeom prst="rect">
             <a:avLst/>
           </a:prstGeom>
-          <a:noFill/>
         </p:spPr>
+        <p:style>
+          <a:lnRef idx="2">
+            <a:schemeClr val="accent1"/>
+          </a:lnRef>
+          <a:fillRef idx="1">
+            <a:schemeClr val="lt1"/>
+          </a:fillRef>
+          <a:effectRef idx="0">
+            <a:schemeClr val="accent1"/>
+          </a:effectRef>
+          <a:fontRef idx="minor">
+            <a:schemeClr val="dk1"/>
+          </a:fontRef>
+        </p:style>
         <p:txBody>
-          <a:bodyPr wrap="none" rtlCol="0">
+          <a:bodyPr wrap="square" rtlCol="0">
             <a:spAutoFit/>
           </a:bodyPr>
           <a:lstStyle/>
           <a:p>
             <a:r>
-              <a:rPr lang="en-US" altLang="zh-CN" sz="2000" dirty="0">
+              <a:rPr lang="en-GB" dirty="0" err="1">
                 <a:latin typeface="Gill Sans Light"/>
               </a:rPr>
-              <a:t>Output</a:t>
-            </a:r>
-            <a:endParaRPr lang="en-SE" sz="2000" dirty="0">
-              <a:latin typeface="Gill Sans Light"/>
-            </a:endParaRPr>
+              <a:t>wc</a:t>
+            </a:r>
+            <a:r>
+              <a:rPr lang="en-GB" dirty="0">
+                <a:latin typeface="Gill Sans Light"/>
+              </a:rPr>
+              <a:t>: counts Lines, Words, and Bytes in a File:</a:t>
+            </a:r>
+          </a:p>
+          <a:p>
+            <a:r>
+              <a:rPr lang="en-GB" dirty="0">
+                <a:latin typeface="Gill Sans Light"/>
+              </a:rPr>
+              <a:t>Output format: [lines] [words] [bytes] [filename]</a:t>
+            </a:r>
           </a:p>
         </p:txBody>
       </p:sp>
@@ -14644,34 +14941,9 @@
           <a:lstStyle/>
           <a:p>
             <a:r>
-              <a:rPr lang="en-US" altLang="zh-CN" dirty="0"/>
-              <a:t>Why</a:t>
-            </a:r>
-            <a:r>
-              <a:rPr lang="zh-CN" altLang="en-US" dirty="0"/>
-              <a:t> </a:t>
-            </a:r>
-            <a:r>
-              <a:rPr lang="en-US" altLang="zh-CN" dirty="0"/>
-              <a:t>fork()</a:t>
-            </a:r>
-            <a:r>
-              <a:rPr lang="zh-CN" altLang="en-US" dirty="0"/>
-              <a:t> </a:t>
-            </a:r>
-            <a:r>
-              <a:rPr lang="en-US" altLang="zh-CN" dirty="0"/>
-              <a:t>+</a:t>
-            </a:r>
-            <a:r>
-              <a:rPr lang="zh-CN" altLang="en-US" dirty="0"/>
-              <a:t> </a:t>
-            </a:r>
-            <a:r>
-              <a:rPr lang="en-US" altLang="zh-CN" dirty="0"/>
-              <a:t>exec()</a:t>
-            </a:r>
-            <a:endParaRPr lang="en-US" dirty="0"/>
+              <a:rPr lang="en-US" dirty="0"/>
+              <a:t>IO redirection and pipe </a:t>
+            </a:r>
           </a:p>
         </p:txBody>
       </p:sp>
@@ -14703,225 +14975,6 @@
           <a:p>
             <a:r>
               <a:rPr lang="en-US" altLang="ko-KR" sz="2000" dirty="0"/>
-              <a:t>Why don’t we directly</a:t>
-            </a:r>
-            <a:r>
-              <a:rPr lang="zh-CN" altLang="en-US" sz="2000" dirty="0"/>
-              <a:t> </a:t>
-            </a:r>
-            <a:r>
-              <a:rPr lang="en-US" altLang="zh-CN" sz="2000" dirty="0"/>
-              <a:t>create</a:t>
-            </a:r>
-            <a:r>
-              <a:rPr lang="zh-CN" altLang="en-US" sz="2000" dirty="0"/>
-              <a:t> </a:t>
-            </a:r>
-            <a:r>
-              <a:rPr lang="en-US" altLang="zh-CN" sz="2000" dirty="0"/>
-              <a:t>a</a:t>
-            </a:r>
-            <a:r>
-              <a:rPr lang="zh-CN" altLang="en-US" sz="2000" dirty="0"/>
-              <a:t> </a:t>
-            </a:r>
-            <a:r>
-              <a:rPr lang="en-US" altLang="zh-CN" sz="2000" dirty="0"/>
-              <a:t>new</a:t>
-            </a:r>
-            <a:r>
-              <a:rPr lang="zh-CN" altLang="en-US" sz="2000" dirty="0"/>
-              <a:t> </a:t>
-            </a:r>
-            <a:r>
-              <a:rPr lang="en-US" altLang="zh-CN" sz="2000" dirty="0"/>
-              <a:t>process</a:t>
-            </a:r>
-            <a:r>
-              <a:rPr lang="zh-CN" altLang="en-US" sz="2000" dirty="0"/>
-              <a:t> </a:t>
-            </a:r>
-            <a:r>
-              <a:rPr lang="en-US" altLang="zh-CN" sz="2000" dirty="0"/>
-              <a:t>instead</a:t>
-            </a:r>
-            <a:r>
-              <a:rPr lang="zh-CN" altLang="en-US" sz="2000" dirty="0"/>
-              <a:t> </a:t>
-            </a:r>
-            <a:r>
-              <a:rPr lang="en-US" altLang="zh-CN" sz="2000" dirty="0"/>
-              <a:t>of</a:t>
-            </a:r>
-            <a:r>
-              <a:rPr lang="zh-CN" altLang="en-US" sz="2000" dirty="0"/>
-              <a:t> </a:t>
-            </a:r>
-            <a:r>
-              <a:rPr lang="en-US" altLang="ko-KR" sz="2000" dirty="0"/>
-              <a:t>“</a:t>
-            </a:r>
-            <a:r>
-              <a:rPr lang="en-US" altLang="ko-KR" sz="2000" b="1" dirty="0" err="1">
-                <a:solidFill>
-                  <a:srgbClr val="0070C0"/>
-                </a:solidFill>
-                <a:latin typeface="Courier New" charset="0"/>
-                <a:ea typeface="Courier New" charset="0"/>
-                <a:cs typeface="Courier New" charset="0"/>
-              </a:rPr>
-              <a:t>fork</a:t>
-            </a:r>
-            <a:r>
-              <a:rPr lang="en-US" altLang="zh-CN" sz="2000" dirty="0" err="1">
-                <a:latin typeface="Courier New" charset="0"/>
-                <a:ea typeface="Courier New" charset="0"/>
-                <a:cs typeface="Courier New" charset="0"/>
-              </a:rPr>
-              <a:t>+</a:t>
-            </a:r>
-            <a:r>
-              <a:rPr lang="en-US" altLang="ko-KR" sz="2000" b="1" dirty="0" err="1">
-                <a:solidFill>
-                  <a:srgbClr val="0070C0"/>
-                </a:solidFill>
-                <a:latin typeface="Courier New" charset="0"/>
-                <a:ea typeface="Courier New" charset="0"/>
-                <a:cs typeface="Courier New" charset="0"/>
-              </a:rPr>
-              <a:t>exec</a:t>
-            </a:r>
-            <a:r>
-              <a:rPr lang="en-US" altLang="ko-KR" sz="2000" dirty="0"/>
-              <a:t>”?</a:t>
-            </a:r>
-          </a:p>
-          <a:p>
-            <a:pPr lvl="1"/>
-            <a:r>
-              <a:rPr lang="en-US" altLang="zh-CN" sz="1600" b="1" dirty="0">
-                <a:solidFill>
-                  <a:srgbClr val="0070C0"/>
-                </a:solidFill>
-              </a:rPr>
-              <a:t>Simple</a:t>
-            </a:r>
-            <a:r>
-              <a:rPr lang="zh-CN" altLang="en-US" sz="1600" dirty="0"/>
-              <a:t> </a:t>
-            </a:r>
-            <a:r>
-              <a:rPr lang="en-US" altLang="zh-CN" sz="1600" dirty="0"/>
-              <a:t>and</a:t>
-            </a:r>
-            <a:r>
-              <a:rPr lang="zh-CN" altLang="en-US" sz="1600" dirty="0"/>
-              <a:t> </a:t>
-            </a:r>
-            <a:r>
-              <a:rPr lang="en-US" altLang="zh-CN" sz="1600" b="1" dirty="0">
-                <a:solidFill>
-                  <a:srgbClr val="0070C0"/>
-                </a:solidFill>
-              </a:rPr>
-              <a:t>powerful</a:t>
-            </a:r>
-          </a:p>
-          <a:p>
-            <a:pPr lvl="1"/>
-            <a:r>
-              <a:rPr lang="en-US" altLang="zh-CN" sz="1600" b="1" dirty="0">
-                <a:solidFill>
-                  <a:srgbClr val="0070C0"/>
-                </a:solidFill>
-              </a:rPr>
-              <a:t>Important</a:t>
-            </a:r>
-            <a:r>
-              <a:rPr lang="zh-CN" altLang="en-US" sz="1600" dirty="0"/>
-              <a:t> </a:t>
-            </a:r>
-            <a:r>
-              <a:rPr lang="en-US" altLang="zh-CN" sz="1600" dirty="0"/>
-              <a:t>to</a:t>
-            </a:r>
-            <a:r>
-              <a:rPr lang="zh-CN" altLang="en-US" sz="1600" dirty="0"/>
-              <a:t> </a:t>
-            </a:r>
-            <a:r>
-              <a:rPr lang="en-US" altLang="zh-CN" sz="1600" dirty="0"/>
-              <a:t>build</a:t>
-            </a:r>
-            <a:r>
-              <a:rPr lang="zh-CN" altLang="en-US" sz="1600" dirty="0"/>
-              <a:t> </a:t>
-            </a:r>
-            <a:r>
-              <a:rPr lang="en-US" altLang="zh-CN" sz="1600" dirty="0"/>
-              <a:t>Unix</a:t>
-            </a:r>
-            <a:r>
-              <a:rPr lang="zh-CN" altLang="en-US" sz="1600" dirty="0"/>
-              <a:t> </a:t>
-            </a:r>
-            <a:r>
-              <a:rPr lang="en-US" altLang="zh-CN" sz="1600" dirty="0"/>
-              <a:t>Shell</a:t>
-            </a:r>
-            <a:r>
-              <a:rPr lang="zh-CN" altLang="en-US" sz="1600" dirty="0"/>
-              <a:t> </a:t>
-            </a:r>
-            <a:r>
-              <a:rPr lang="en-US" altLang="zh-CN" sz="1600" dirty="0"/>
-              <a:t>(an</a:t>
-            </a:r>
-            <a:r>
-              <a:rPr lang="zh-CN" altLang="en-US" sz="1600" dirty="0"/>
-              <a:t> </a:t>
-            </a:r>
-            <a:r>
-              <a:rPr lang="en-US" altLang="zh-CN" sz="1600" dirty="0"/>
-              <a:t>interface</a:t>
-            </a:r>
-            <a:r>
-              <a:rPr lang="zh-CN" altLang="en-US" sz="1600" dirty="0"/>
-              <a:t> </a:t>
-            </a:r>
-            <a:r>
-              <a:rPr lang="en-US" altLang="zh-CN" sz="1600" dirty="0"/>
-              <a:t>to</a:t>
-            </a:r>
-            <a:r>
-              <a:rPr lang="zh-CN" altLang="en-US" sz="1600" dirty="0"/>
-              <a:t> </a:t>
-            </a:r>
-            <a:r>
-              <a:rPr lang="en-US" altLang="zh-CN" sz="1600" dirty="0"/>
-              <a:t>the</a:t>
-            </a:r>
-            <a:r>
-              <a:rPr lang="zh-CN" altLang="en-US" sz="1600" dirty="0"/>
-              <a:t> </a:t>
-            </a:r>
-            <a:r>
-              <a:rPr lang="en-US" altLang="zh-CN" sz="1600" dirty="0"/>
-              <a:t>Unix</a:t>
-            </a:r>
-            <a:r>
-              <a:rPr lang="zh-CN" altLang="en-US" sz="1600" dirty="0"/>
-              <a:t> </a:t>
-            </a:r>
-            <a:r>
-              <a:rPr lang="en-US" altLang="zh-CN" sz="1600" dirty="0"/>
-              <a:t>system)</a:t>
-            </a:r>
-            <a:endParaRPr lang="en-US" altLang="ko-KR" sz="1600" dirty="0"/>
-          </a:p>
-          <a:p>
-            <a:r>
-              <a:rPr lang="en-US" altLang="ko-KR" sz="2000" dirty="0"/>
               <a:t>By separating </a:t>
             </a:r>
             <a:r>
@@ -15012,8 +15065,8 @@
         </p:nvSpPr>
         <p:spPr>
           <a:xfrm>
-            <a:off x="2321584" y="3427248"/>
-            <a:ext cx="4582737" cy="430887"/>
+            <a:off x="2910864" y="1536263"/>
+            <a:ext cx="4582737" cy="473976"/>
           </a:xfrm>
           <a:prstGeom prst="rect">
             <a:avLst/>
@@ -15196,8 +15249,8 @@
         </p:nvSpPr>
         <p:spPr>
           <a:xfrm>
-            <a:off x="2321583" y="4596464"/>
-            <a:ext cx="4582737" cy="430887"/>
+            <a:off x="2910863" y="2705479"/>
+            <a:ext cx="4582737" cy="473976"/>
           </a:xfrm>
           <a:prstGeom prst="rect">
             <a:avLst/>
@@ -15363,115 +15416,6 @@
               <a:ea typeface="Courier" charset="0"/>
               <a:cs typeface="Courier" charset="0"/>
             </a:endParaRPr>
-          </a:p>
-        </p:txBody>
-      </p:sp>
-      <p:pic>
-        <p:nvPicPr>
-          <p:cNvPr id="4098" name="Picture 2" descr="Process management :: Operating systems 2018">
-            <a:extLst>
-              <a:ext uri="{FF2B5EF4-FFF2-40B4-BE49-F238E27FC236}">
-                <a16:creationId xmlns:a16="http://schemas.microsoft.com/office/drawing/2014/main" id="{C579E6A8-858E-F065-31A1-D12095B195BB}"/>
-              </a:ext>
-            </a:extLst>
-          </p:cNvPr>
-          <p:cNvPicPr>
-            <a:picLocks noChangeAspect="1" noChangeArrowheads="1"/>
-          </p:cNvPicPr>
-          <p:nvPr/>
-        </p:nvPicPr>
-        <p:blipFill>
-          <a:blip r:embed="rId3" cstate="email">
-            <a:extLst>
-              <a:ext uri="{28A0092B-C50C-407E-A947-70E740481C1C}">
-                <a14:useLocalDpi xmlns:a14="http://schemas.microsoft.com/office/drawing/2010/main" val="0"/>
-              </a:ext>
-            </a:extLst>
-          </a:blip>
-          <a:srcRect/>
-          <a:stretch>
-            <a:fillRect/>
-          </a:stretch>
-        </p:blipFill>
-        <p:spPr bwMode="auto">
-          <a:xfrm>
-            <a:off x="7387314" y="3046859"/>
-            <a:ext cx="2345250" cy="3165098"/>
-          </a:xfrm>
-          <a:prstGeom prst="rect">
-            <a:avLst/>
-          </a:prstGeom>
-          <a:noFill/>
-          <a:extLst>
-            <a:ext uri="{909E8E84-426E-40DD-AFC4-6F175D3DCCD1}">
-              <a14:hiddenFill xmlns:a14="http://schemas.microsoft.com/office/drawing/2010/main">
-                <a:solidFill>
-                  <a:srgbClr val="FFFFFF"/>
-                </a:solidFill>
-              </a14:hiddenFill>
-            </a:ext>
-          </a:extLst>
-        </p:spPr>
-      </p:pic>
-      <p:sp>
-        <p:nvSpPr>
-          <p:cNvPr id="13" name="右箭头 12">
-            <a:extLst>
-              <a:ext uri="{FF2B5EF4-FFF2-40B4-BE49-F238E27FC236}">
-                <a16:creationId xmlns:a16="http://schemas.microsoft.com/office/drawing/2014/main" id="{552EB651-C1E6-49BE-5796-A02A2E7CA375}"/>
-              </a:ext>
-            </a:extLst>
-          </p:cNvPr>
-          <p:cNvSpPr/>
-          <p:nvPr/>
-        </p:nvSpPr>
-        <p:spPr>
-          <a:xfrm rot="8409274">
-            <a:off x="8845809" y="3521505"/>
-            <a:ext cx="915398" cy="242372"/>
-          </a:xfrm>
-          <a:prstGeom prst="rightArrow">
-            <a:avLst/>
-          </a:prstGeom>
-          <a:solidFill>
-            <a:srgbClr val="43B7B0"/>
-          </a:solidFill>
-          <a:ln>
-            <a:noFill/>
-          </a:ln>
-          <a:effectLst>
-            <a:outerShdw blurRad="114300" dist="12700" dir="5400000" rotWithShape="0">
-              <a:srgbClr val="000000">
-                <a:alpha val="35000"/>
-              </a:srgbClr>
-            </a:outerShdw>
-          </a:effectLst>
-        </p:spPr>
-        <p:style>
-          <a:lnRef idx="1">
-            <a:schemeClr val="accent1"/>
-          </a:lnRef>
-          <a:fillRef idx="3">
-            <a:schemeClr val="accent1"/>
-          </a:fillRef>
-          <a:effectRef idx="2">
-            <a:schemeClr val="accent1"/>
-          </a:effectRef>
-          <a:fontRef idx="minor">
-            <a:schemeClr val="lt1"/>
-          </a:fontRef>
-        </p:style>
-        <p:txBody>
-          <a:bodyPr rot="0" spcFirstLastPara="0" vertOverflow="overflow" horzOverflow="overflow" vert="horz" wrap="square" lIns="91440" tIns="45720" rIns="91440" bIns="45720" numCol="1" spcCol="0" rtlCol="0" fromWordArt="0" anchor="ctr" anchorCtr="0" forceAA="0" compatLnSpc="1">
-            <a:prstTxWarp prst="textNoShape">
-              <a:avLst/>
-            </a:prstTxWarp>
-            <a:noAutofit/>
-          </a:bodyPr>
-          <a:lstStyle/>
-          <a:p>
-            <a:pPr algn="ctr"/>
-            <a:endParaRPr lang="en-US"/>
           </a:p>
         </p:txBody>
       </p:sp>
@@ -26101,7 +26045,7 @@
         <a:effectLst/>
         <a:extLst>
           <a:ext uri="{AF507438-7753-43e0-B8FC-AC1667EBCBE1}">
-            <a14:hiddenEffects xmlns:a14="http://schemas.microsoft.com/office/drawing/2010/main" xmlns="">
+            <a14:hiddenEffects xmlns="" xmlns:a14="http://schemas.microsoft.com/office/drawing/2010/main">
               <a:effectLst>
                 <a:outerShdw dist="35921" dir="2700000" algn="ctr" rotWithShape="0">
                   <a:schemeClr val="bg2"/>
@@ -26174,7 +26118,7 @@
         <a:effectLst/>
         <a:extLst>
           <a:ext uri="{AF507438-7753-43e0-B8FC-AC1667EBCBE1}">
-            <a14:hiddenEffects xmlns:a14="http://schemas.microsoft.com/office/drawing/2010/main" xmlns="">
+            <a14:hiddenEffects xmlns="" xmlns:a14="http://schemas.microsoft.com/office/drawing/2010/main">
               <a:effectLst>
                 <a:outerShdw dist="35921" dir="2700000" algn="ctr" rotWithShape="0">
                   <a:schemeClr val="bg2"/>

--- a/PPTs/2-Processes.pptx
+++ b/PPTs/2-Processes.pptx
@@ -265,14 +265,14 @@
           <a:effectLst/>
           <a:extLst>
             <a:ext uri="{909E8E84-426E-40dd-AFC4-6F175D3DCCD1}">
-              <a14:hiddenFill xmlns:a14="http://schemas.microsoft.com/office/drawing/2010/main" xmlns="">
+              <a14:hiddenFill xmlns="" xmlns:a14="http://schemas.microsoft.com/office/drawing/2010/main">
                 <a:solidFill>
                   <a:schemeClr val="bg1"/>
                 </a:solidFill>
               </a14:hiddenFill>
             </a:ext>
             <a:ext uri="{91240B29-F687-4f45-9708-019B960494DF}">
-              <a14:hiddenLine xmlns:a14="http://schemas.microsoft.com/office/drawing/2010/main" xmlns="" w="12700">
+              <a14:hiddenLine xmlns="" xmlns:a14="http://schemas.microsoft.com/office/drawing/2010/main" w="12700">
                 <a:pattFill prst="narHorz">
                   <a:fgClr>
                     <a:schemeClr val="tx1"/>
@@ -287,7 +287,7 @@
               </a14:hiddenLine>
             </a:ext>
             <a:ext uri="{AF507438-7753-43e0-B8FC-AC1667EBCBE1}">
-              <a14:hiddenEffects xmlns:a14="http://schemas.microsoft.com/office/drawing/2010/main" xmlns="">
+              <a14:hiddenEffects xmlns="" xmlns:a14="http://schemas.microsoft.com/office/drawing/2010/main">
                 <a:effectLst>
                   <a:outerShdw dist="35921" dir="2700000" algn="ctr" rotWithShape="0">
                     <a:schemeClr val="bg2"/>
@@ -393,14 +393,14 @@
           <a:effectLst/>
           <a:extLst>
             <a:ext uri="{909E8E84-426E-40dd-AFC4-6F175D3DCCD1}">
-              <a14:hiddenFill xmlns:a14="http://schemas.microsoft.com/office/drawing/2010/main" xmlns="">
+              <a14:hiddenFill xmlns="" xmlns:a14="http://schemas.microsoft.com/office/drawing/2010/main">
                 <a:solidFill>
                   <a:schemeClr val="bg1"/>
                 </a:solidFill>
               </a14:hiddenFill>
             </a:ext>
             <a:ext uri="{91240B29-F687-4f45-9708-019B960494DF}">
-              <a14:hiddenLine xmlns:a14="http://schemas.microsoft.com/office/drawing/2010/main" xmlns="" w="12700">
+              <a14:hiddenLine xmlns="" xmlns:a14="http://schemas.microsoft.com/office/drawing/2010/main" w="12700">
                 <a:pattFill prst="narHorz">
                   <a:fgClr>
                     <a:schemeClr val="tx1"/>
@@ -415,7 +415,7 @@
               </a14:hiddenLine>
             </a:ext>
             <a:ext uri="{AF507438-7753-43e0-B8FC-AC1667EBCBE1}">
-              <a14:hiddenEffects xmlns:a14="http://schemas.microsoft.com/office/drawing/2010/main" xmlns="">
+              <a14:hiddenEffects xmlns="" xmlns:a14="http://schemas.microsoft.com/office/drawing/2010/main">
                 <a:effectLst>
                   <a:outerShdw dist="35921" dir="2700000" algn="ctr" rotWithShape="0">
                     <a:schemeClr val="bg2"/>
@@ -483,17 +483,17 @@
           <a:effectLst/>
           <a:extLst>
             <a:ext uri="{FAA26D3D-D897-4be2-8F04-BA451C77F1D7}">
-              <ma14:placeholderFlag xmlns:ma14="http://schemas.microsoft.com/office/mac/drawingml/2011/main" xmlns="" val="1"/>
+              <ma14:placeholderFlag xmlns="" xmlns:ma14="http://schemas.microsoft.com/office/mac/drawingml/2011/main" val="1"/>
             </a:ext>
             <a:ext uri="{909E8E84-426E-40dd-AFC4-6F175D3DCCD1}">
-              <a14:hiddenFill xmlns:a14="http://schemas.microsoft.com/office/drawing/2010/main" xmlns="">
+              <a14:hiddenFill xmlns="" xmlns:a14="http://schemas.microsoft.com/office/drawing/2010/main">
                 <a:solidFill>
                   <a:srgbClr val="FFFFFF"/>
                 </a:solidFill>
               </a14:hiddenFill>
             </a:ext>
             <a:ext uri="{AF507438-7753-43e0-B8FC-AC1667EBCBE1}">
-              <a14:hiddenEffects xmlns:a14="http://schemas.microsoft.com/office/drawing/2010/main" xmlns="">
+              <a14:hiddenEffects xmlns="" xmlns:a14="http://schemas.microsoft.com/office/drawing/2010/main">
                 <a:effectLst>
                   <a:outerShdw blurRad="63500" dist="38099" dir="2700000" algn="ctr" rotWithShape="0">
                     <a:srgbClr val="000000">
@@ -504,7 +504,7 @@
               </a14:hiddenEffects>
             </a:ext>
             <a:ext uri="{53640926-AAD7-44d8-BBD7-CCE9431645EC}">
-              <a14:shadowObscured xmlns:a14="http://schemas.microsoft.com/office/drawing/2010/main" xmlns="" val="1"/>
+              <a14:shadowObscured xmlns="" xmlns:a14="http://schemas.microsoft.com/office/drawing/2010/main" val="1"/>
             </a:ext>
           </a:extLst>
         </p:spPr>
@@ -534,14 +534,14 @@
           <a:effectLst/>
           <a:extLst>
             <a:ext uri="{909E8E84-426E-40dd-AFC4-6F175D3DCCD1}">
-              <a14:hiddenFill xmlns:a14="http://schemas.microsoft.com/office/drawing/2010/main" xmlns="">
+              <a14:hiddenFill xmlns="" xmlns:a14="http://schemas.microsoft.com/office/drawing/2010/main">
                 <a:solidFill>
                   <a:schemeClr val="bg1"/>
                 </a:solidFill>
               </a14:hiddenFill>
             </a:ext>
             <a:ext uri="{91240B29-F687-4f45-9708-019B960494DF}">
-              <a14:hiddenLine xmlns:a14="http://schemas.microsoft.com/office/drawing/2010/main" xmlns="" w="12700">
+              <a14:hiddenLine xmlns="" xmlns:a14="http://schemas.microsoft.com/office/drawing/2010/main" w="12700">
                 <a:pattFill prst="narHorz">
                   <a:fgClr>
                     <a:schemeClr val="tx1"/>
@@ -556,7 +556,7 @@
               </a14:hiddenLine>
             </a:ext>
             <a:ext uri="{AF507438-7753-43e0-B8FC-AC1667EBCBE1}">
-              <a14:hiddenEffects xmlns:a14="http://schemas.microsoft.com/office/drawing/2010/main" xmlns="">
+              <a14:hiddenEffects xmlns="" xmlns:a14="http://schemas.microsoft.com/office/drawing/2010/main">
                 <a:effectLst>
                   <a:outerShdw dist="35921" dir="2700000" algn="ctr" rotWithShape="0">
                     <a:schemeClr val="bg2"/>
@@ -806,10 +806,10 @@
         <p:spPr>
           <a:extLst>
             <a:ext uri="{FAA26D3D-D897-4be2-8F04-BA451C77F1D7}">
-              <ma14:placeholderFlag xmlns="" xmlns:ma14="http://schemas.microsoft.com/office/mac/drawingml/2011/main" val="1"/>
+              <ma14:placeholderFlag xmlns:ma14="http://schemas.microsoft.com/office/mac/drawingml/2011/main" xmlns="" val="1"/>
             </a:ext>
             <a:ext uri="{AF507438-7753-43e0-B8FC-AC1667EBCBE1}">
-              <a14:hiddenEffects xmlns="" xmlns:a14="http://schemas.microsoft.com/office/drawing/2010/main">
+              <a14:hiddenEffects xmlns:a14="http://schemas.microsoft.com/office/drawing/2010/main" xmlns="">
                 <a:effectLst>
                   <a:outerShdw blurRad="63500" dist="38099" dir="2700000" algn="ctr" rotWithShape="0">
                     <a:schemeClr val="bg2">
@@ -5643,17 +5643,17 @@
           <a:effectLst/>
           <a:extLst>
             <a:ext uri="{FAA26D3D-D897-4be2-8F04-BA451C77F1D7}">
-              <ma14:placeholderFlag xmlns:ma14="http://schemas.microsoft.com/office/mac/drawingml/2011/main" xmlns="" val="1"/>
+              <ma14:placeholderFlag xmlns="" xmlns:ma14="http://schemas.microsoft.com/office/mac/drawingml/2011/main" val="1"/>
             </a:ext>
             <a:ext uri="{909E8E84-426E-40dd-AFC4-6F175D3DCCD1}">
-              <a14:hiddenFill xmlns:a14="http://schemas.microsoft.com/office/drawing/2010/main" xmlns="">
+              <a14:hiddenFill xmlns="" xmlns:a14="http://schemas.microsoft.com/office/drawing/2010/main">
                 <a:solidFill>
                   <a:schemeClr val="bg1"/>
                 </a:solidFill>
               </a14:hiddenFill>
             </a:ext>
             <a:ext uri="{91240B29-F687-4f45-9708-019B960494DF}">
-              <a14:hiddenLine xmlns:a14="http://schemas.microsoft.com/office/drawing/2010/main" xmlns="" w="12700">
+              <a14:hiddenLine xmlns="" xmlns:a14="http://schemas.microsoft.com/office/drawing/2010/main" w="12700">
                 <a:pattFill prst="narHorz">
                   <a:fgClr>
                     <a:schemeClr val="tx1"/>
@@ -5668,7 +5668,7 @@
               </a14:hiddenLine>
             </a:ext>
             <a:ext uri="{AF507438-7753-43e0-B8FC-AC1667EBCBE1}">
-              <a14:hiddenEffects xmlns:a14="http://schemas.microsoft.com/office/drawing/2010/main" xmlns="">
+              <a14:hiddenEffects xmlns="" xmlns:a14="http://schemas.microsoft.com/office/drawing/2010/main">
                 <a:effectLst>
                   <a:outerShdw blurRad="63500" dist="38099" dir="2700000" algn="ctr" rotWithShape="0">
                     <a:schemeClr val="bg2">
@@ -5721,17 +5721,17 @@
           <a:effectLst/>
           <a:extLst>
             <a:ext uri="{FAA26D3D-D897-4be2-8F04-BA451C77F1D7}">
-              <ma14:placeholderFlag xmlns:ma14="http://schemas.microsoft.com/office/mac/drawingml/2011/main" xmlns="" val="1"/>
+              <ma14:placeholderFlag xmlns="" xmlns:ma14="http://schemas.microsoft.com/office/mac/drawingml/2011/main" val="1"/>
             </a:ext>
             <a:ext uri="{909E8E84-426E-40dd-AFC4-6F175D3DCCD1}">
-              <a14:hiddenFill xmlns:a14="http://schemas.microsoft.com/office/drawing/2010/main" xmlns="">
+              <a14:hiddenFill xmlns="" xmlns:a14="http://schemas.microsoft.com/office/drawing/2010/main">
                 <a:solidFill>
                   <a:schemeClr val="bg1"/>
                 </a:solidFill>
               </a14:hiddenFill>
             </a:ext>
             <a:ext uri="{91240B29-F687-4f45-9708-019B960494DF}">
-              <a14:hiddenLine xmlns:a14="http://schemas.microsoft.com/office/drawing/2010/main" xmlns="" w="12700">
+              <a14:hiddenLine xmlns="" xmlns:a14="http://schemas.microsoft.com/office/drawing/2010/main" w="12700">
                 <a:pattFill prst="narHorz">
                   <a:fgClr>
                     <a:schemeClr val="tx1"/>
@@ -5746,7 +5746,7 @@
               </a14:hiddenLine>
             </a:ext>
             <a:ext uri="{AF507438-7753-43e0-B8FC-AC1667EBCBE1}">
-              <a14:hiddenEffects xmlns:a14="http://schemas.microsoft.com/office/drawing/2010/main" xmlns="">
+              <a14:hiddenEffects xmlns="" xmlns:a14="http://schemas.microsoft.com/office/drawing/2010/main">
                 <a:effectLst>
                   <a:outerShdw blurRad="63500" dist="38099" dir="2700000" algn="ctr" rotWithShape="0">
                     <a:schemeClr val="bg2">
@@ -5825,14 +5825,14 @@
           <a:effectLst/>
           <a:extLst>
             <a:ext uri="{909E8E84-426E-40dd-AFC4-6F175D3DCCD1}">
-              <a14:hiddenFill xmlns:a14="http://schemas.microsoft.com/office/drawing/2010/main" xmlns="">
+              <a14:hiddenFill xmlns="" xmlns:a14="http://schemas.microsoft.com/office/drawing/2010/main">
                 <a:solidFill>
                   <a:schemeClr val="bg1"/>
                 </a:solidFill>
               </a14:hiddenFill>
             </a:ext>
             <a:ext uri="{91240B29-F687-4f45-9708-019B960494DF}">
-              <a14:hiddenLine xmlns:a14="http://schemas.microsoft.com/office/drawing/2010/main" xmlns="" w="12700">
+              <a14:hiddenLine xmlns="" xmlns:a14="http://schemas.microsoft.com/office/drawing/2010/main" w="12700">
                 <a:pattFill prst="narHorz">
                   <a:fgClr>
                     <a:schemeClr val="tx1"/>
@@ -5847,7 +5847,7 @@
               </a14:hiddenLine>
             </a:ext>
             <a:ext uri="{AF507438-7753-43e0-B8FC-AC1667EBCBE1}">
-              <a14:hiddenEffects xmlns:a14="http://schemas.microsoft.com/office/drawing/2010/main" xmlns="">
+              <a14:hiddenEffects xmlns="" xmlns:a14="http://schemas.microsoft.com/office/drawing/2010/main">
                 <a:effectLst>
                   <a:outerShdw dist="35921" dir="2700000" algn="ctr" rotWithShape="0">
                     <a:schemeClr val="bg2"/>
@@ -5923,12 +5923,12 @@
           <a:effectLst/>
           <a:extLst>
             <a:ext uri="{909E8E84-426E-40dd-AFC4-6F175D3DCCD1}">
-              <a14:hiddenFill xmlns:a14="http://schemas.microsoft.com/office/drawing/2010/main" xmlns="">
+              <a14:hiddenFill xmlns="" xmlns:a14="http://schemas.microsoft.com/office/drawing/2010/main">
                 <a:noFill/>
               </a14:hiddenFill>
             </a:ext>
             <a:ext uri="{AF507438-7753-43e0-B8FC-AC1667EBCBE1}">
-              <a14:hiddenEffects xmlns:a14="http://schemas.microsoft.com/office/drawing/2010/main" xmlns="">
+              <a14:hiddenEffects xmlns="" xmlns:a14="http://schemas.microsoft.com/office/drawing/2010/main">
                 <a:effectLst>
                   <a:outerShdw blurRad="63500" dist="38099" dir="2700000" algn="ctr" rotWithShape="0">
                     <a:schemeClr val="bg2">
@@ -11559,7 +11559,23 @@
             </a:r>
             <a:r>
               <a:rPr lang="en-US" altLang="zh-CN" sz="1600" dirty="0"/>
-              <a:t>); </a:t>
+              <a:t>); //</a:t>
+            </a:r>
+            <a:r>
+              <a:rPr lang="en-US" altLang="zh-CN" sz="1600" dirty="0" err="1"/>
+              <a:t>wc</a:t>
+            </a:r>
+            <a:r>
+              <a:rPr lang="en-US" altLang="zh-CN" sz="1600" dirty="0"/>
+              <a:t> contains </a:t>
+            </a:r>
+            <a:r>
+              <a:rPr lang="en-US" altLang="zh-CN" sz="1600" dirty="0" err="1"/>
+              <a:t>pid</a:t>
+            </a:r>
+            <a:r>
+              <a:rPr lang="en-US" altLang="zh-CN" sz="1600" dirty="0"/>
+              <a:t> of the child process being waited for by parent process</a:t>
             </a:r>
           </a:p>
           <a:p>
@@ -11755,8 +11771,8 @@
         </p:nvSpPr>
         <p:spPr>
           <a:xfrm>
-            <a:off x="2307031" y="4572000"/>
-            <a:ext cx="6356732" cy="594911"/>
+            <a:off x="2307030" y="4572000"/>
+            <a:ext cx="7273850" cy="594911"/>
           </a:xfrm>
           <a:prstGeom prst="rect">
             <a:avLst/>
@@ -11794,70 +11810,6 @@
       </p:sp>
       <p:sp>
         <p:nvSpPr>
-          <p:cNvPr id="6" name="右箭头 5">
-            <a:extLst>
-              <a:ext uri="{FF2B5EF4-FFF2-40B4-BE49-F238E27FC236}">
-                <a16:creationId xmlns:a16="http://schemas.microsoft.com/office/drawing/2014/main" id="{14AD034D-848F-950B-A6B5-DBDE2B6BD49F}"/>
-              </a:ext>
-            </a:extLst>
-          </p:cNvPr>
-          <p:cNvSpPr/>
-          <p:nvPr/>
-        </p:nvSpPr>
-        <p:spPr>
-          <a:xfrm rot="10800000">
-            <a:off x="4747256" y="4583016"/>
-            <a:ext cx="1057619" cy="286439"/>
-          </a:xfrm>
-          <a:prstGeom prst="rightArrow">
-            <a:avLst/>
-          </a:prstGeom>
-          <a:solidFill>
-            <a:srgbClr val="FF0000"/>
-          </a:solidFill>
-          <a:ln>
-            <a:solidFill>
-              <a:srgbClr val="FF0000"/>
-            </a:solidFill>
-          </a:ln>
-          <a:effectLst>
-            <a:outerShdw blurRad="114300" dist="12700" dir="5400000" rotWithShape="0">
-              <a:srgbClr val="000000">
-                <a:alpha val="35000"/>
-              </a:srgbClr>
-            </a:outerShdw>
-          </a:effectLst>
-        </p:spPr>
-        <p:style>
-          <a:lnRef idx="1">
-            <a:schemeClr val="accent1"/>
-          </a:lnRef>
-          <a:fillRef idx="3">
-            <a:schemeClr val="accent1"/>
-          </a:fillRef>
-          <a:effectRef idx="2">
-            <a:schemeClr val="accent1"/>
-          </a:effectRef>
-          <a:fontRef idx="minor">
-            <a:schemeClr val="lt1"/>
-          </a:fontRef>
-        </p:style>
-        <p:txBody>
-          <a:bodyPr rot="0" spcFirstLastPara="0" vertOverflow="overflow" horzOverflow="overflow" vert="horz" wrap="square" lIns="91440" tIns="45720" rIns="91440" bIns="45720" numCol="1" spcCol="0" rtlCol="0" fromWordArt="0" anchor="ctr" anchorCtr="0" forceAA="0" compatLnSpc="1">
-            <a:prstTxWarp prst="textNoShape">
-              <a:avLst/>
-            </a:prstTxWarp>
-            <a:noAutofit/>
-          </a:bodyPr>
-          <a:lstStyle/>
-          <a:p>
-            <a:pPr algn="ctr"/>
-            <a:endParaRPr lang="en-US"/>
-          </a:p>
-        </p:txBody>
-      </p:sp>
-      <p:sp>
-        <p:nvSpPr>
           <p:cNvPr id="7" name="矩形 6">
             <a:extLst>
               <a:ext uri="{FF2B5EF4-FFF2-40B4-BE49-F238E27FC236}">
@@ -11871,7 +11823,7 @@
         <p:spPr>
           <a:xfrm>
             <a:off x="2282329" y="3347466"/>
-            <a:ext cx="6356732" cy="772842"/>
+            <a:ext cx="4087991" cy="772842"/>
           </a:xfrm>
           <a:prstGeom prst="rect">
             <a:avLst/>
@@ -12312,33 +12264,6 @@
                                           </p:stCondLst>
                                         </p:cTn>
                                         <p:tgtEl>
-                                          <p:spTgt spid="6"/>
-                                        </p:tgtEl>
-                                        <p:attrNameLst>
-                                          <p:attrName>style.visibility</p:attrName>
-                                        </p:attrNameLst>
-                                      </p:cBhvr>
-                                      <p:to>
-                                        <p:strVal val="visible"/>
-                                      </p:to>
-                                    </p:set>
-                                  </p:childTnLst>
-                                </p:cTn>
-                              </p:par>
-                              <p:par>
-                                <p:cTn id="13" presetID="1" presetClass="entr" presetSubtype="0" fill="hold" grpId="0" nodeType="withEffect">
-                                  <p:stCondLst>
-                                    <p:cond delay="0"/>
-                                  </p:stCondLst>
-                                  <p:childTnLst>
-                                    <p:set>
-                                      <p:cBhvr>
-                                        <p:cTn id="14" dur="1" fill="hold">
-                                          <p:stCondLst>
-                                            <p:cond delay="0"/>
-                                          </p:stCondLst>
-                                        </p:cTn>
-                                        <p:tgtEl>
                                           <p:spTgt spid="9"/>
                                         </p:tgtEl>
                                         <p:attrNameLst>
@@ -12359,26 +12284,26 @@
                     </p:cTn>
                   </p:par>
                   <p:par>
-                    <p:cTn id="15" fill="hold">
+                    <p:cTn id="13" fill="hold">
                       <p:stCondLst>
                         <p:cond delay="indefinite"/>
                       </p:stCondLst>
                       <p:childTnLst>
                         <p:par>
-                          <p:cTn id="16" fill="hold">
+                          <p:cTn id="14" fill="hold">
                             <p:stCondLst>
                               <p:cond delay="0"/>
                             </p:stCondLst>
                             <p:childTnLst>
                               <p:par>
-                                <p:cTn id="17" presetID="1" presetClass="entr" presetSubtype="0" fill="hold" grpId="0" nodeType="clickEffect">
+                                <p:cTn id="15" presetID="1" presetClass="entr" presetSubtype="0" fill="hold" grpId="0" nodeType="clickEffect">
                                   <p:stCondLst>
                                     <p:cond delay="0"/>
                                   </p:stCondLst>
                                   <p:childTnLst>
                                     <p:set>
                                       <p:cBhvr>
-                                        <p:cTn id="18" dur="1" fill="hold">
+                                        <p:cTn id="16" dur="1" fill="hold">
                                           <p:stCondLst>
                                             <p:cond delay="0"/>
                                           </p:stCondLst>
@@ -12426,7 +12351,6 @@
     </p:tnLst>
     <p:bldLst>
       <p:bldP spid="4" grpId="0" animBg="1"/>
-      <p:bldP spid="6" grpId="0" animBg="1"/>
       <p:bldP spid="7" grpId="0" animBg="1"/>
       <p:bldP spid="8" grpId="0"/>
       <p:bldP spid="9" grpId="0"/>
@@ -14966,7 +14890,7 @@
         <p:spPr>
           <a:xfrm>
             <a:off x="419449" y="951989"/>
-            <a:ext cx="11336392" cy="5259969"/>
+            <a:ext cx="11336392" cy="693931"/>
           </a:xfrm>
         </p:spPr>
         <p:txBody>
@@ -14974,11 +14898,11 @@
           <a:lstStyle/>
           <a:p>
             <a:r>
-              <a:rPr lang="en-US" altLang="ko-KR" sz="2000" dirty="0"/>
+              <a:rPr lang="en-US" altLang="ko-KR" dirty="0"/>
               <a:t>By separating </a:t>
             </a:r>
             <a:r>
-              <a:rPr lang="en-US" altLang="ko-KR" sz="2000" b="1" dirty="0">
+              <a:rPr lang="en-US" altLang="ko-KR" b="1" dirty="0">
                 <a:solidFill>
                   <a:srgbClr val="0070C0"/>
                 </a:solidFill>
@@ -14989,11 +14913,11 @@
               <a:t>fork()</a:t>
             </a:r>
             <a:r>
-              <a:rPr lang="en-US" altLang="ko-KR" sz="2000" dirty="0"/>
+              <a:rPr lang="en-US" altLang="ko-KR" dirty="0"/>
               <a:t> and </a:t>
             </a:r>
             <a:r>
-              <a:rPr lang="en-US" altLang="ko-KR" sz="2000" b="1" dirty="0">
+              <a:rPr lang="en-US" altLang="ko-KR" b="1" dirty="0">
                 <a:solidFill>
                   <a:srgbClr val="0070C0"/>
                 </a:solidFill>
@@ -15004,50 +14928,50 @@
               <a:t>exec()</a:t>
             </a:r>
             <a:r>
+              <a:rPr lang="en-US" altLang="ko-KR" dirty="0"/>
+              <a:t>, we can manipulate various settings just before executing a new program and </a:t>
+            </a:r>
+            <a:r>
+              <a:rPr lang="en-US" altLang="ko-KR" b="1" u="sng" dirty="0"/>
+              <a:t>make the IO </a:t>
+            </a:r>
+            <a:r>
+              <a:rPr lang="en-US" altLang="zh-CN" b="1" u="sng" dirty="0"/>
+              <a:t>redirection</a:t>
+            </a:r>
+            <a:r>
+              <a:rPr lang="en-US" altLang="ko-KR" b="1" u="sng" dirty="0"/>
+              <a:t> and pipe possible</a:t>
+            </a:r>
+            <a:r>
+              <a:rPr lang="en-US" altLang="ko-KR" dirty="0"/>
+              <a:t>.</a:t>
+            </a:r>
+          </a:p>
+          <a:p>
+            <a:pPr lvl="1"/>
+            <a:r>
               <a:rPr lang="en-US" altLang="ko-KR" sz="2000" dirty="0"/>
-              <a:t>, we can manipulate various settings just before executing a new program and </a:t>
-            </a:r>
-            <a:r>
-              <a:rPr lang="en-US" altLang="ko-KR" sz="2000" b="1" u="sng" dirty="0"/>
-              <a:t>make the IO </a:t>
-            </a:r>
-            <a:r>
-              <a:rPr lang="en-US" altLang="zh-CN" sz="2000" b="1" u="sng" dirty="0"/>
-              <a:t>redirection</a:t>
-            </a:r>
-            <a:r>
-              <a:rPr lang="en-US" altLang="ko-KR" sz="2000" b="1" u="sng" dirty="0"/>
-              <a:t> and pipe possible</a:t>
-            </a:r>
+              <a:t>IO redirection: output of the left command redirected to be written to the file on the right</a:t>
+            </a:r>
+          </a:p>
+          <a:p>
+            <a:pPr lvl="1"/>
+            <a:endParaRPr lang="en-US" altLang="ko-KR" sz="2000" dirty="0"/>
+          </a:p>
+          <a:p>
+            <a:pPr lvl="1"/>
+            <a:endParaRPr lang="en-US" altLang="ko-KR" sz="2000" dirty="0"/>
+          </a:p>
+          <a:p>
+            <a:pPr lvl="1"/>
             <a:r>
               <a:rPr lang="en-US" altLang="ko-KR" sz="2000" dirty="0"/>
-              <a:t>.</a:t>
-            </a:r>
-          </a:p>
-          <a:p>
-            <a:pPr lvl="1"/>
-            <a:r>
-              <a:rPr lang="en-US" altLang="ko-KR" sz="1800" dirty="0"/>
-              <a:t>IO redirection</a:t>
-            </a:r>
-          </a:p>
-          <a:p>
-            <a:pPr lvl="1"/>
-            <a:endParaRPr lang="en-US" altLang="ko-KR" sz="1800" dirty="0"/>
-          </a:p>
-          <a:p>
-            <a:pPr lvl="1"/>
-            <a:endParaRPr lang="en-US" altLang="ko-KR" sz="1800" dirty="0"/>
-          </a:p>
-          <a:p>
-            <a:pPr lvl="1"/>
-            <a:r>
-              <a:rPr lang="en-US" altLang="ko-KR" sz="1800" dirty="0"/>
-              <a:t>pipe</a:t>
-            </a:r>
-          </a:p>
-          <a:p>
-            <a:endParaRPr lang="en-US" dirty="0"/>
+              <a:t>Pipe: output of the left command passed as input to the right command</a:t>
+            </a:r>
+          </a:p>
+          <a:p>
+            <a:endParaRPr lang="en-US" sz="2800" dirty="0"/>
           </a:p>
         </p:txBody>
       </p:sp>
@@ -15065,7 +14989,7 @@
         </p:nvSpPr>
         <p:spPr>
           <a:xfrm>
-            <a:off x="2910864" y="1536263"/>
+            <a:off x="2931184" y="2112564"/>
             <a:ext cx="4582737" cy="473976"/>
           </a:xfrm>
           <a:prstGeom prst="rect">
@@ -15249,7 +15173,7 @@
         </p:nvSpPr>
         <p:spPr>
           <a:xfrm>
-            <a:off x="2910863" y="2705479"/>
+            <a:off x="2931183" y="3293837"/>
             <a:ext cx="4582737" cy="473976"/>
           </a:xfrm>
           <a:prstGeom prst="rect">
@@ -15656,8 +15580,8 @@
         </p:nvSpPr>
         <p:spPr>
           <a:xfrm>
-            <a:off x="2471451" y="1886638"/>
-            <a:ext cx="1487277" cy="683046"/>
+            <a:off x="2448561" y="1886638"/>
+            <a:ext cx="1510168" cy="683046"/>
           </a:xfrm>
           <a:prstGeom prst="roundRect">
             <a:avLst/>
@@ -15702,15 +15626,15 @@
             <a:pPr algn="ctr"/>
             <a:r>
               <a:rPr lang="en-US" altLang="zh-CN" dirty="0"/>
-              <a:t>Parent</a:t>
-            </a:r>
-            <a:r>
-              <a:rPr lang="zh-CN" altLang="en-US" dirty="0"/>
-              <a:t> </a:t>
-            </a:r>
-            <a:r>
-              <a:rPr lang="en-US" altLang="zh-CN" dirty="0"/>
-              <a:t>Process</a:t>
+              <a:t>Child</a:t>
+            </a:r>
+            <a:r>
+              <a:rPr lang="zh-CN" altLang="en-US" dirty="0"/>
+              <a:t> </a:t>
+            </a:r>
+            <a:r>
+              <a:rPr lang="en-US" altLang="zh-CN" dirty="0"/>
+              <a:t>Process (left)</a:t>
             </a:r>
             <a:endParaRPr lang="en-US" dirty="0"/>
           </a:p>
@@ -15731,7 +15655,7 @@
         <p:spPr>
           <a:xfrm>
             <a:off x="7173818" y="1886638"/>
-            <a:ext cx="1487277" cy="683046"/>
+            <a:ext cx="1563782" cy="683046"/>
           </a:xfrm>
           <a:prstGeom prst="roundRect">
             <a:avLst/>
@@ -15784,7 +15708,11 @@
             </a:r>
             <a:r>
               <a:rPr lang="en-US" altLang="zh-CN" dirty="0"/>
-              <a:t>Process</a:t>
+              <a:t>Process </a:t>
+            </a:r>
+            <a:r>
+              <a:rPr lang="en-GB" altLang="zh-CN" dirty="0"/>
+              <a:t>(right)</a:t>
             </a:r>
             <a:endParaRPr lang="en-US" dirty="0"/>
           </a:p>
@@ -15925,6 +15853,421 @@
           </a:prstGeom>
         </p:spPr>
       </p:pic>
+      <p:sp>
+        <p:nvSpPr>
+          <p:cNvPr id="12" name="TextBox 11">
+            <a:extLst>
+              <a:ext uri="{FF2B5EF4-FFF2-40B4-BE49-F238E27FC236}">
+                <a16:creationId xmlns:a16="http://schemas.microsoft.com/office/drawing/2014/main" id="{5DF5EF52-2231-CA0F-2CA3-4DFBF6404FF8}"/>
+              </a:ext>
+            </a:extLst>
+          </p:cNvPr>
+          <p:cNvSpPr txBox="1"/>
+          <p:nvPr/>
+        </p:nvSpPr>
+        <p:spPr>
+          <a:xfrm>
+            <a:off x="6780754" y="3700482"/>
+            <a:ext cx="4472378" cy="369332"/>
+          </a:xfrm>
+          <a:prstGeom prst="rect">
+            <a:avLst/>
+          </a:prstGeom>
+          <a:noFill/>
+        </p:spPr>
+        <p:txBody>
+          <a:bodyPr wrap="none" rtlCol="0">
+            <a:spAutoFit/>
+          </a:bodyPr>
+          <a:lstStyle/>
+          <a:p>
+            <a:r>
+              <a:rPr lang="en-GB" dirty="0">
+                <a:solidFill>
+                  <a:srgbClr val="FF0000"/>
+                </a:solidFill>
+                <a:latin typeface="Gill Sans Light"/>
+              </a:rPr>
+              <a:t>Command “cat” prints out content of </a:t>
+            </a:r>
+            <a:r>
+              <a:rPr lang="en-GB" dirty="0" err="1">
+                <a:solidFill>
+                  <a:srgbClr val="FF0000"/>
+                </a:solidFill>
+                <a:latin typeface="Gill Sans Light"/>
+              </a:rPr>
+              <a:t>hello.c</a:t>
+            </a:r>
+            <a:r>
+              <a:rPr lang="en-GB" dirty="0">
+                <a:solidFill>
+                  <a:srgbClr val="FF0000"/>
+                </a:solidFill>
+                <a:latin typeface="Gill Sans Light"/>
+              </a:rPr>
+              <a:t> file</a:t>
+            </a:r>
+            <a:endParaRPr lang="en-SE" dirty="0">
+              <a:solidFill>
+                <a:srgbClr val="FF0000"/>
+              </a:solidFill>
+              <a:latin typeface="Gill Sans Light"/>
+            </a:endParaRPr>
+          </a:p>
+        </p:txBody>
+      </p:sp>
+      <p:sp>
+        <p:nvSpPr>
+          <p:cNvPr id="13" name="Rectangle 12">
+            <a:extLst>
+              <a:ext uri="{FF2B5EF4-FFF2-40B4-BE49-F238E27FC236}">
+                <a16:creationId xmlns:a16="http://schemas.microsoft.com/office/drawing/2014/main" id="{D88CB226-EB70-1E59-AACF-46F19913B611}"/>
+              </a:ext>
+            </a:extLst>
+          </p:cNvPr>
+          <p:cNvSpPr/>
+          <p:nvPr/>
+        </p:nvSpPr>
+        <p:spPr bwMode="auto">
+          <a:xfrm>
+            <a:off x="2204720" y="3169920"/>
+            <a:ext cx="3627120" cy="1666240"/>
+          </a:xfrm>
+          <a:prstGeom prst="rect">
+            <a:avLst/>
+          </a:prstGeom>
+          <a:noFill/>
+          <a:ln w="12700">
+            <a:solidFill>
+              <a:srgbClr val="FF0000"/>
+            </a:solidFill>
+            <a:headEnd type="none" w="med" len="med"/>
+            <a:tailEnd type="none" w="med" len="med"/>
+          </a:ln>
+          <a:extLst>
+            <a:ext uri="{AF507438-7753-43e0-B8FC-AC1667EBCBE1}">
+              <a14:hiddenEffects xmlns="" xmlns:a14="http://schemas.microsoft.com/office/drawing/2010/main">
+                <a:effectLst>
+                  <a:outerShdw dist="35921" dir="2700000" algn="ctr" rotWithShape="0">
+                    <a:schemeClr val="bg2"/>
+                  </a:outerShdw>
+                </a:effectLst>
+              </a14:hiddenEffects>
+            </a:ext>
+          </a:extLst>
+        </p:spPr>
+        <p:style>
+          <a:lnRef idx="2">
+            <a:schemeClr val="accent1"/>
+          </a:lnRef>
+          <a:fillRef idx="1">
+            <a:schemeClr val="lt1"/>
+          </a:fillRef>
+          <a:effectRef idx="0">
+            <a:schemeClr val="accent1"/>
+          </a:effectRef>
+          <a:fontRef idx="minor">
+            <a:schemeClr val="dk1"/>
+          </a:fontRef>
+        </p:style>
+        <p:txBody>
+          <a:bodyPr vert="horz" wrap="square" lIns="91440" tIns="45720" rIns="91440" bIns="45720" numCol="1" rtlCol="0" anchor="t" anchorCtr="0" compatLnSpc="1">
+            <a:prstTxWarp prst="textNoShape">
+              <a:avLst/>
+            </a:prstTxWarp>
+          </a:bodyPr>
+          <a:lstStyle/>
+          <a:p>
+            <a:pPr marL="0" marR="0" indent="0" algn="l" defTabSz="914400" rtl="0" eaLnBrk="0" fontAlgn="base" latinLnBrk="0" hangingPunct="0">
+              <a:lnSpc>
+                <a:spcPct val="100000"/>
+              </a:lnSpc>
+              <a:spcBef>
+                <a:spcPct val="0"/>
+              </a:spcBef>
+              <a:spcAft>
+                <a:spcPct val="0"/>
+              </a:spcAft>
+              <a:buClrTx/>
+              <a:buSzTx/>
+              <a:buFontTx/>
+              <a:buNone/>
+              <a:tabLst/>
+            </a:pPr>
+            <a:endParaRPr kumimoji="0" lang="en-SE" sz="1800" b="1" i="0" u="none" strike="noStrike" cap="none" normalizeH="0" baseline="0">
+              <a:ln>
+                <a:noFill/>
+              </a:ln>
+              <a:solidFill>
+                <a:schemeClr val="tx1"/>
+              </a:solidFill>
+              <a:effectLst/>
+              <a:latin typeface="Comic Sans MS" pitchFamily="66" charset="0"/>
+            </a:endParaRPr>
+          </a:p>
+        </p:txBody>
+      </p:sp>
+      <p:sp>
+        <p:nvSpPr>
+          <p:cNvPr id="14" name="Arrow: Left 13">
+            <a:extLst>
+              <a:ext uri="{FF2B5EF4-FFF2-40B4-BE49-F238E27FC236}">
+                <a16:creationId xmlns:a16="http://schemas.microsoft.com/office/drawing/2014/main" id="{9EAE3239-209E-09B8-9EFA-A1E68096E2E7}"/>
+              </a:ext>
+            </a:extLst>
+          </p:cNvPr>
+          <p:cNvSpPr/>
+          <p:nvPr/>
+        </p:nvSpPr>
+        <p:spPr bwMode="auto">
+          <a:xfrm>
+            <a:off x="6096000" y="3642692"/>
+            <a:ext cx="538480" cy="475278"/>
+          </a:xfrm>
+          <a:prstGeom prst="leftArrow">
+            <a:avLst/>
+          </a:prstGeom>
+          <a:ln>
+            <a:headEnd type="none" w="med" len="med"/>
+            <a:tailEnd type="none" w="med" len="med"/>
+          </a:ln>
+          <a:extLst>
+            <a:ext uri="{AF507438-7753-43e0-B8FC-AC1667EBCBE1}">
+              <a14:hiddenEffects xmlns="" xmlns:a14="http://schemas.microsoft.com/office/drawing/2010/main">
+                <a:effectLst>
+                  <a:outerShdw dist="35921" dir="2700000" algn="ctr" rotWithShape="0">
+                    <a:schemeClr val="bg2"/>
+                  </a:outerShdw>
+                </a:effectLst>
+              </a14:hiddenEffects>
+            </a:ext>
+          </a:extLst>
+        </p:spPr>
+        <p:style>
+          <a:lnRef idx="1">
+            <a:schemeClr val="accent1"/>
+          </a:lnRef>
+          <a:fillRef idx="2">
+            <a:schemeClr val="accent1"/>
+          </a:fillRef>
+          <a:effectRef idx="1">
+            <a:schemeClr val="accent1"/>
+          </a:effectRef>
+          <a:fontRef idx="minor">
+            <a:schemeClr val="dk1"/>
+          </a:fontRef>
+        </p:style>
+        <p:txBody>
+          <a:bodyPr vert="horz" wrap="square" lIns="91440" tIns="45720" rIns="91440" bIns="45720" numCol="1" rtlCol="0" anchor="t" anchorCtr="0" compatLnSpc="1">
+            <a:prstTxWarp prst="textNoShape">
+              <a:avLst/>
+            </a:prstTxWarp>
+          </a:bodyPr>
+          <a:lstStyle/>
+          <a:p>
+            <a:pPr marL="0" marR="0" indent="0" algn="l" defTabSz="914400" rtl="0" eaLnBrk="0" fontAlgn="base" latinLnBrk="0" hangingPunct="0">
+              <a:lnSpc>
+                <a:spcPct val="100000"/>
+              </a:lnSpc>
+              <a:spcBef>
+                <a:spcPct val="0"/>
+              </a:spcBef>
+              <a:spcAft>
+                <a:spcPct val="0"/>
+              </a:spcAft>
+              <a:buClrTx/>
+              <a:buSzTx/>
+              <a:buFontTx/>
+              <a:buNone/>
+              <a:tabLst/>
+            </a:pPr>
+            <a:endParaRPr kumimoji="0" lang="en-SE" sz="1800" b="1" i="0" u="none" strike="noStrike" cap="none" normalizeH="0" baseline="0">
+              <a:ln>
+                <a:noFill/>
+              </a:ln>
+              <a:solidFill>
+                <a:schemeClr val="tx1"/>
+              </a:solidFill>
+              <a:effectLst/>
+              <a:latin typeface="Comic Sans MS" pitchFamily="66" charset="0"/>
+            </a:endParaRPr>
+          </a:p>
+        </p:txBody>
+      </p:sp>
+      <p:sp>
+        <p:nvSpPr>
+          <p:cNvPr id="17" name="TextBox 16">
+            <a:extLst>
+              <a:ext uri="{FF2B5EF4-FFF2-40B4-BE49-F238E27FC236}">
+                <a16:creationId xmlns:a16="http://schemas.microsoft.com/office/drawing/2014/main" id="{D849F51B-4F23-9665-7E3B-260140EAD421}"/>
+              </a:ext>
+            </a:extLst>
+          </p:cNvPr>
+          <p:cNvSpPr txBox="1"/>
+          <p:nvPr/>
+        </p:nvSpPr>
+        <p:spPr>
+          <a:xfrm>
+            <a:off x="6780754" y="4228135"/>
+            <a:ext cx="4754443" cy="923330"/>
+          </a:xfrm>
+          <a:prstGeom prst="rect">
+            <a:avLst/>
+          </a:prstGeom>
+          <a:noFill/>
+        </p:spPr>
+        <p:txBody>
+          <a:bodyPr wrap="none" rtlCol="0">
+            <a:spAutoFit/>
+          </a:bodyPr>
+          <a:lstStyle/>
+          <a:p>
+            <a:r>
+              <a:rPr lang="en-GB" dirty="0">
+                <a:solidFill>
+                  <a:srgbClr val="FF0000"/>
+                </a:solidFill>
+                <a:latin typeface="Gill Sans Light"/>
+              </a:rPr>
+              <a:t>Output of “cat” command passed through the pipe</a:t>
+            </a:r>
+          </a:p>
+          <a:p>
+            <a:r>
+              <a:rPr lang="en-GB" dirty="0">
+                <a:solidFill>
+                  <a:srgbClr val="FF0000"/>
+                </a:solidFill>
+                <a:latin typeface="Gill Sans Light"/>
+              </a:rPr>
+              <a:t>to command “grep” to search for any lines that </a:t>
+            </a:r>
+          </a:p>
+          <a:p>
+            <a:r>
+              <a:rPr lang="en-GB" dirty="0">
+                <a:solidFill>
+                  <a:srgbClr val="FF0000"/>
+                </a:solidFill>
+                <a:latin typeface="Gill Sans Light"/>
+              </a:rPr>
+              <a:t>contain “</a:t>
+            </a:r>
+            <a:r>
+              <a:rPr lang="en-GB" dirty="0" err="1">
+                <a:solidFill>
+                  <a:srgbClr val="FF0000"/>
+                </a:solidFill>
+                <a:latin typeface="Gill Sans Light"/>
+              </a:rPr>
+              <a:t>printf</a:t>
+            </a:r>
+            <a:r>
+              <a:rPr lang="en-GB" dirty="0">
+                <a:solidFill>
+                  <a:srgbClr val="FF0000"/>
+                </a:solidFill>
+                <a:latin typeface="Gill Sans Light"/>
+              </a:rPr>
+              <a:t>”</a:t>
+            </a:r>
+            <a:endParaRPr lang="en-SE" dirty="0">
+              <a:solidFill>
+                <a:srgbClr val="FF0000"/>
+              </a:solidFill>
+              <a:latin typeface="Gill Sans Light"/>
+            </a:endParaRPr>
+          </a:p>
+        </p:txBody>
+      </p:sp>
+      <p:sp>
+        <p:nvSpPr>
+          <p:cNvPr id="18" name="Arrow: Left 17">
+            <a:extLst>
+              <a:ext uri="{FF2B5EF4-FFF2-40B4-BE49-F238E27FC236}">
+                <a16:creationId xmlns:a16="http://schemas.microsoft.com/office/drawing/2014/main" id="{D9455036-CB8E-3D7F-8238-A1F74C167C66}"/>
+              </a:ext>
+            </a:extLst>
+          </p:cNvPr>
+          <p:cNvSpPr/>
+          <p:nvPr/>
+        </p:nvSpPr>
+        <p:spPr bwMode="auto">
+          <a:xfrm rot="16200000">
+            <a:off x="8371999" y="4975482"/>
+            <a:ext cx="538480" cy="475278"/>
+          </a:xfrm>
+          <a:prstGeom prst="leftArrow">
+            <a:avLst/>
+          </a:prstGeom>
+          <a:ln>
+            <a:headEnd type="none" w="med" len="med"/>
+            <a:tailEnd type="none" w="med" len="med"/>
+          </a:ln>
+          <a:extLst>
+            <a:ext uri="{AF507438-7753-43e0-B8FC-AC1667EBCBE1}">
+              <a14:hiddenEffects xmlns="" xmlns:a14="http://schemas.microsoft.com/office/drawing/2010/main">
+                <a:effectLst>
+                  <a:outerShdw dist="35921" dir="2700000" algn="ctr" rotWithShape="0">
+                    <a:schemeClr val="bg2"/>
+                  </a:outerShdw>
+                </a:effectLst>
+              </a14:hiddenEffects>
+            </a:ext>
+          </a:extLst>
+        </p:spPr>
+        <p:style>
+          <a:lnRef idx="1">
+            <a:schemeClr val="accent1"/>
+          </a:lnRef>
+          <a:fillRef idx="2">
+            <a:schemeClr val="accent1"/>
+          </a:fillRef>
+          <a:effectRef idx="1">
+            <a:schemeClr val="accent1"/>
+          </a:effectRef>
+          <a:fontRef idx="minor">
+            <a:schemeClr val="dk1"/>
+          </a:fontRef>
+        </p:style>
+        <p:txBody>
+          <a:bodyPr vert="horz" wrap="square" lIns="91440" tIns="45720" rIns="91440" bIns="45720" numCol="1" rtlCol="0" anchor="t" anchorCtr="0" compatLnSpc="1">
+            <a:prstTxWarp prst="textNoShape">
+              <a:avLst/>
+            </a:prstTxWarp>
+          </a:bodyPr>
+          <a:lstStyle/>
+          <a:p>
+            <a:pPr marL="0" marR="0" indent="0" algn="l" defTabSz="914400" rtl="0" eaLnBrk="0" fontAlgn="base" latinLnBrk="0" hangingPunct="0">
+              <a:lnSpc>
+                <a:spcPct val="100000"/>
+              </a:lnSpc>
+              <a:spcBef>
+                <a:spcPct val="0"/>
+              </a:spcBef>
+              <a:spcAft>
+                <a:spcPct val="0"/>
+              </a:spcAft>
+              <a:buClrTx/>
+              <a:buSzTx/>
+              <a:buFontTx/>
+              <a:buNone/>
+              <a:tabLst/>
+            </a:pPr>
+            <a:endParaRPr kumimoji="0" lang="en-SE" sz="1800" b="1" i="0" u="none" strike="noStrike" cap="none" normalizeH="0" baseline="0">
+              <a:ln>
+                <a:noFill/>
+              </a:ln>
+              <a:solidFill>
+                <a:schemeClr val="tx1"/>
+              </a:solidFill>
+              <a:effectLst/>
+              <a:latin typeface="Comic Sans MS" pitchFamily="66" charset="0"/>
+            </a:endParaRPr>
+          </a:p>
+        </p:txBody>
+      </p:sp>
     </p:spTree>
     <p:extLst>
       <p:ext uri="{BB962C8B-B14F-4D97-AF65-F5344CB8AC3E}">
@@ -16443,7 +16786,7 @@
             </a:r>
             <a:r>
               <a:rPr lang="en-US" altLang="zh-CN" dirty="0"/>
-              <a:t>tree)</a:t>
+              <a:t>tree in a hierarchy)</a:t>
             </a:r>
           </a:p>
           <a:p>
@@ -16504,7 +16847,7 @@
             </a:r>
             <a:r>
               <a:rPr lang="en-US" altLang="zh-CN" dirty="0"/>
-              <a:t>processes)</a:t>
+              <a:t>processes as a flat list)</a:t>
             </a:r>
             <a:endParaRPr lang="en-US" dirty="0"/>
           </a:p>
@@ -21530,7 +21873,7 @@
         <p:spPr>
           <a:xfrm>
             <a:off x="7836060" y="1109525"/>
-            <a:ext cx="3868913" cy="5138531"/>
+            <a:ext cx="4223860" cy="5138531"/>
           </a:xfrm>
         </p:spPr>
         <p:txBody>
@@ -21692,7 +22035,7 @@
             </a:r>
             <a:r>
               <a:rPr lang="en-US" altLang="zh-CN" dirty="0"/>
-              <a:t>process</a:t>
+              <a:t>process pointer</a:t>
             </a:r>
           </a:p>
           <a:p>
@@ -21714,7 +22057,14 @@
             <a:pPr lvl="1"/>
             <a:r>
               <a:rPr lang="en-US" altLang="zh-CN" dirty="0"/>
-              <a:t>etc.</a:t>
+              <a:t>Many other fields</a:t>
+            </a:r>
+          </a:p>
+          <a:p>
+            <a:pPr lvl="1"/>
+            <a:r>
+              <a:rPr lang="en-US" altLang="zh-CN" dirty="0"/>
+              <a:t>PCB in XV6 does not include pointers to child processes for simplicity, but PCB in Linux include them for convenient references to its child processes</a:t>
             </a:r>
           </a:p>
           <a:p>
@@ -26045,7 +26395,7 @@
         <a:effectLst/>
         <a:extLst>
           <a:ext uri="{AF507438-7753-43e0-B8FC-AC1667EBCBE1}">
-            <a14:hiddenEffects xmlns="" xmlns:a14="http://schemas.microsoft.com/office/drawing/2010/main">
+            <a14:hiddenEffects xmlns:a14="http://schemas.microsoft.com/office/drawing/2010/main" xmlns="">
               <a:effectLst>
                 <a:outerShdw dist="35921" dir="2700000" algn="ctr" rotWithShape="0">
                   <a:schemeClr val="bg2"/>
@@ -26118,7 +26468,7 @@
         <a:effectLst/>
         <a:extLst>
           <a:ext uri="{AF507438-7753-43e0-B8FC-AC1667EBCBE1}">
-            <a14:hiddenEffects xmlns="" xmlns:a14="http://schemas.microsoft.com/office/drawing/2010/main">
+            <a14:hiddenEffects xmlns:a14="http://schemas.microsoft.com/office/drawing/2010/main" xmlns="">
               <a:effectLst>
                 <a:outerShdw dist="35921" dir="2700000" algn="ctr" rotWithShape="0">
                   <a:schemeClr val="bg2"/>
